--- a/CSI3010 Data Warehousing Data Mining/reference materials/module-5 cluster analysis and outlier analysis/18_Heirarchical Clustering.pptx
+++ b/CSI3010 Data Warehousing Data Mining/reference materials/module-5 cluster analysis and outlier analysis/18_Heirarchical Clustering.pptx
@@ -5,7 +5,7 @@
     <p:sldMasterId id="2147483730" r:id="rId1"/>
   </p:sldMasterIdLst>
   <p:notesMasterIdLst>
-    <p:notesMasterId r:id="rId34"/>
+    <p:notesMasterId r:id="rId33"/>
   </p:notesMasterIdLst>
   <p:sldIdLst>
     <p:sldId id="256" r:id="rId2"/>
@@ -25,21 +25,20 @@
     <p:sldId id="269" r:id="rId16"/>
     <p:sldId id="270" r:id="rId17"/>
     <p:sldId id="271" r:id="rId18"/>
-    <p:sldId id="273" r:id="rId19"/>
-    <p:sldId id="274" r:id="rId20"/>
-    <p:sldId id="275" r:id="rId21"/>
-    <p:sldId id="276" r:id="rId22"/>
-    <p:sldId id="277" r:id="rId23"/>
-    <p:sldId id="278" r:id="rId24"/>
-    <p:sldId id="279" r:id="rId25"/>
-    <p:sldId id="280" r:id="rId26"/>
-    <p:sldId id="281" r:id="rId27"/>
-    <p:sldId id="282" r:id="rId28"/>
-    <p:sldId id="283" r:id="rId29"/>
-    <p:sldId id="284" r:id="rId30"/>
-    <p:sldId id="285" r:id="rId31"/>
-    <p:sldId id="286" r:id="rId32"/>
-    <p:sldId id="287" r:id="rId33"/>
+    <p:sldId id="274" r:id="rId19"/>
+    <p:sldId id="275" r:id="rId20"/>
+    <p:sldId id="276" r:id="rId21"/>
+    <p:sldId id="277" r:id="rId22"/>
+    <p:sldId id="278" r:id="rId23"/>
+    <p:sldId id="279" r:id="rId24"/>
+    <p:sldId id="280" r:id="rId25"/>
+    <p:sldId id="281" r:id="rId26"/>
+    <p:sldId id="282" r:id="rId27"/>
+    <p:sldId id="283" r:id="rId28"/>
+    <p:sldId id="284" r:id="rId29"/>
+    <p:sldId id="285" r:id="rId30"/>
+    <p:sldId id="286" r:id="rId31"/>
+    <p:sldId id="287" r:id="rId32"/>
   </p:sldIdLst>
   <p:sldSz cx="9144000" cy="6858000" type="screen4x3"/>
   <p:notesSz cx="6858000" cy="9144000"/>
@@ -239,7 +238,7 @@
           <a:p>
             <a:fld id="{AA4BDA8C-820C-459C-9AC3-513B5DFE5A4F}" type="datetimeFigureOut">
               <a:rPr lang="en-IN" smtClean="0"/>
-              <a:t>10-03-2022</a:t>
+              <a:t>02/04/22</a:t>
             </a:fld>
             <a:endParaRPr lang="en-IN"/>
           </a:p>
@@ -303,35 +302,35 @@
           <a:p>
             <a:pPr lvl="0"/>
             <a:r>
-              <a:rPr lang="en-US" smtClean="0"/>
+              <a:rPr lang="en-US"/>
               <a:t>Click to edit Master text styles</a:t>
             </a:r>
           </a:p>
           <a:p>
             <a:pPr lvl="1"/>
             <a:r>
-              <a:rPr lang="en-US" smtClean="0"/>
+              <a:rPr lang="en-US"/>
               <a:t>Second level</a:t>
             </a:r>
           </a:p>
           <a:p>
             <a:pPr lvl="2"/>
             <a:r>
-              <a:rPr lang="en-US" smtClean="0"/>
+              <a:rPr lang="en-US"/>
               <a:t>Third level</a:t>
             </a:r>
           </a:p>
           <a:p>
             <a:pPr lvl="3"/>
             <a:r>
-              <a:rPr lang="en-US" smtClean="0"/>
+              <a:rPr lang="en-US"/>
               <a:t>Fourth level</a:t>
             </a:r>
           </a:p>
           <a:p>
             <a:pPr lvl="4"/>
             <a:r>
-              <a:rPr lang="en-US" smtClean="0"/>
+              <a:rPr lang="en-US"/>
               <a:t>Fifth level</a:t>
             </a:r>
             <a:endParaRPr lang="en-IN"/>
@@ -596,7 +595,7 @@
           <a:lstStyle/>
           <a:p>
             <a:r>
-              <a:rPr lang="en-US" altLang="en-US" smtClean="0">
+              <a:rPr lang="en-US" altLang="en-US">
                 <a:cs typeface="Arial" panose="020B0604020202020204" pitchFamily="34" charset="0"/>
               </a:rPr>
               <a:t>For a dendrogram tree, its horizontal axis indexes all objects in a given data set, while its vertical axis expresses the lifetime of all possible cluster formation.</a:t>
@@ -604,7 +603,7 @@
           </a:p>
           <a:p>
             <a:r>
-              <a:rPr lang="en-US" altLang="en-US" smtClean="0">
+              <a:rPr lang="en-US" altLang="en-US">
                 <a:cs typeface="Arial" panose="020B0604020202020204" pitchFamily="34" charset="0"/>
               </a:rPr>
               <a:t>The lifetime of a cluster in the dendrogram is defined as a distance interval from the moment that the cluster is created to the moment that it disappears by merging with other clusters.</a:t>
@@ -774,7 +773,7 @@
                   <a:spcPct val="0"/>
                 </a:spcBef>
               </a:pPr>
-              <a:t>27</a:t>
+              <a:t>26</a:t>
             </a:fld>
             <a:endParaRPr lang="en-US" altLang="en-US">
               <a:latin typeface="Arial" panose="020B0604020202020204" pitchFamily="34" charset="0"/>
@@ -832,9 +831,9 @@
             <a:fld id="{239850C2-C8DF-46FD-84A6-7DD9E95936F6}" type="slidenum">
               <a:rPr lang="en-US" smtClean="0"/>
               <a:pPr/>
-              <a:t>29</a:t>
+              <a:t>28</a:t>
             </a:fld>
-            <a:endParaRPr lang="en-US" smtClean="0"/>
+            <a:endParaRPr lang="en-US"/>
           </a:p>
         </p:txBody>
       </p:sp>
@@ -872,19 +871,19 @@
           <a:p>
             <a:pPr eaLnBrk="1" hangingPunct="1"/>
             <a:r>
-              <a:rPr lang="en-US" smtClean="0">
+              <a:rPr lang="en-US">
                 <a:latin typeface="Arial" pitchFamily="34" charset="0"/>
               </a:rPr>
               <a:t>Probably the simplest clustering technique </a:t>
             </a:r>
             <a:r>
-              <a:rPr lang="en-US" smtClean="0">
+              <a:rPr lang="en-US">
                 <a:latin typeface="Times New Roman" pitchFamily="18" charset="0"/>
               </a:rPr>
               <a:t>–</a:t>
             </a:r>
             <a:r>
-              <a:rPr lang="en-US" smtClean="0">
+              <a:rPr lang="en-US">
                 <a:latin typeface="Arial" pitchFamily="34" charset="0"/>
               </a:rPr>
               <a:t> very straightforward. </a:t>
@@ -943,10 +942,9 @@
           <a:lstStyle/>
           <a:p>
             <a:r>
-              <a:rPr lang="en-US" smtClean="0"/>
+              <a:rPr lang="en-US"/>
               <a:t>Click to edit Master title style</a:t>
             </a:r>
-            <a:endParaRPr lang="en-US"/>
           </a:p>
         </p:txBody>
       </p:sp>
@@ -1062,10 +1060,9 @@
           </a:lstStyle>
           <a:p>
             <a:r>
-              <a:rPr lang="en-US" smtClean="0"/>
+              <a:rPr lang="en-US"/>
               <a:t>Click to edit Master subtitle style</a:t>
             </a:r>
-            <a:endParaRPr lang="en-US"/>
           </a:p>
         </p:txBody>
       </p:sp>
@@ -1093,7 +1090,7 @@
                 </a:solidFill>
               </a:rPr>
               <a:pPr/>
-              <a:t>3/10/2022</a:t>
+              <a:t>4/2/22</a:t>
             </a:fld>
             <a:endParaRPr lang="en-US">
               <a:solidFill>
@@ -1212,10 +1209,9 @@
           <a:lstStyle/>
           <a:p>
             <a:r>
-              <a:rPr lang="en-US" smtClean="0"/>
+              <a:rPr lang="en-US"/>
               <a:t>Click to edit Master title style</a:t>
             </a:r>
-            <a:endParaRPr lang="en-US"/>
           </a:p>
         </p:txBody>
       </p:sp>
@@ -1236,38 +1232,37 @@
           <a:p>
             <a:pPr lvl="0"/>
             <a:r>
-              <a:rPr lang="en-US" smtClean="0"/>
+              <a:rPr lang="en-US"/>
               <a:t>Click to edit Master text styles</a:t>
             </a:r>
           </a:p>
           <a:p>
             <a:pPr lvl="1"/>
             <a:r>
-              <a:rPr lang="en-US" smtClean="0"/>
+              <a:rPr lang="en-US"/>
               <a:t>Second level</a:t>
             </a:r>
           </a:p>
           <a:p>
             <a:pPr lvl="2"/>
             <a:r>
-              <a:rPr lang="en-US" smtClean="0"/>
+              <a:rPr lang="en-US"/>
               <a:t>Third level</a:t>
             </a:r>
           </a:p>
           <a:p>
             <a:pPr lvl="3"/>
             <a:r>
-              <a:rPr lang="en-US" smtClean="0"/>
+              <a:rPr lang="en-US"/>
               <a:t>Fourth level</a:t>
             </a:r>
           </a:p>
           <a:p>
             <a:pPr lvl="4"/>
             <a:r>
-              <a:rPr lang="en-US" smtClean="0"/>
+              <a:rPr lang="en-US"/>
               <a:t>Fifth level</a:t>
             </a:r>
-            <a:endParaRPr lang="en-US"/>
           </a:p>
         </p:txBody>
       </p:sp>
@@ -1295,7 +1290,7 @@
                 </a:solidFill>
               </a:rPr>
               <a:pPr/>
-              <a:t>3/10/2022</a:t>
+              <a:t>4/2/22</a:t>
             </a:fld>
             <a:endParaRPr lang="en-US">
               <a:solidFill>
@@ -1419,10 +1414,9 @@
           <a:lstStyle/>
           <a:p>
             <a:r>
-              <a:rPr lang="en-US" smtClean="0"/>
+              <a:rPr lang="en-US"/>
               <a:t>Click to edit Master title style</a:t>
             </a:r>
-            <a:endParaRPr lang="en-US"/>
           </a:p>
         </p:txBody>
       </p:sp>
@@ -1448,38 +1442,37 @@
           <a:p>
             <a:pPr lvl="0"/>
             <a:r>
-              <a:rPr lang="en-US" smtClean="0"/>
+              <a:rPr lang="en-US"/>
               <a:t>Click to edit Master text styles</a:t>
             </a:r>
           </a:p>
           <a:p>
             <a:pPr lvl="1"/>
             <a:r>
-              <a:rPr lang="en-US" smtClean="0"/>
+              <a:rPr lang="en-US"/>
               <a:t>Second level</a:t>
             </a:r>
           </a:p>
           <a:p>
             <a:pPr lvl="2"/>
             <a:r>
-              <a:rPr lang="en-US" smtClean="0"/>
+              <a:rPr lang="en-US"/>
               <a:t>Third level</a:t>
             </a:r>
           </a:p>
           <a:p>
             <a:pPr lvl="3"/>
             <a:r>
-              <a:rPr lang="en-US" smtClean="0"/>
+              <a:rPr lang="en-US"/>
               <a:t>Fourth level</a:t>
             </a:r>
           </a:p>
           <a:p>
             <a:pPr lvl="4"/>
             <a:r>
-              <a:rPr lang="en-US" smtClean="0"/>
+              <a:rPr lang="en-US"/>
               <a:t>Fifth level</a:t>
             </a:r>
-            <a:endParaRPr lang="en-US"/>
           </a:p>
         </p:txBody>
       </p:sp>
@@ -1507,7 +1500,7 @@
                 </a:solidFill>
               </a:rPr>
               <a:pPr/>
-              <a:t>3/10/2022</a:t>
+              <a:t>4/2/22</a:t>
             </a:fld>
             <a:endParaRPr lang="en-US">
               <a:solidFill>
@@ -1631,10 +1624,9 @@
           <a:lstStyle/>
           <a:p>
             <a:r>
-              <a:rPr lang="en-US" smtClean="0"/>
+              <a:rPr lang="en-US"/>
               <a:t>Click to edit Master title style</a:t>
             </a:r>
-            <a:endParaRPr lang="en-US"/>
           </a:p>
         </p:txBody>
       </p:sp>
@@ -1685,38 +1677,37 @@
           <a:p>
             <a:pPr lvl="0"/>
             <a:r>
-              <a:rPr lang="en-US" smtClean="0"/>
+              <a:rPr lang="en-US"/>
               <a:t>Click to edit Master text styles</a:t>
             </a:r>
           </a:p>
           <a:p>
             <a:pPr lvl="1"/>
             <a:r>
-              <a:rPr lang="en-US" smtClean="0"/>
+              <a:rPr lang="en-US"/>
               <a:t>Second level</a:t>
             </a:r>
           </a:p>
           <a:p>
             <a:pPr lvl="2"/>
             <a:r>
-              <a:rPr lang="en-US" smtClean="0"/>
+              <a:rPr lang="en-US"/>
               <a:t>Third level</a:t>
             </a:r>
           </a:p>
           <a:p>
             <a:pPr lvl="3"/>
             <a:r>
-              <a:rPr lang="en-US" smtClean="0"/>
+              <a:rPr lang="en-US"/>
               <a:t>Fourth level</a:t>
             </a:r>
           </a:p>
           <a:p>
             <a:pPr lvl="4"/>
             <a:r>
-              <a:rPr lang="en-US" smtClean="0"/>
+              <a:rPr lang="en-US"/>
               <a:t>Fifth level</a:t>
             </a:r>
-            <a:endParaRPr lang="en-US"/>
           </a:p>
         </p:txBody>
       </p:sp>
@@ -1881,10 +1872,9 @@
           <a:lstStyle/>
           <a:p>
             <a:r>
-              <a:rPr lang="en-US" smtClean="0"/>
+              <a:rPr lang="en-US"/>
               <a:t>Click to edit Master title style</a:t>
             </a:r>
-            <a:endParaRPr lang="en-US"/>
           </a:p>
         </p:txBody>
       </p:sp>
@@ -1905,38 +1895,37 @@
           <a:p>
             <a:pPr lvl="0"/>
             <a:r>
-              <a:rPr lang="en-US" smtClean="0"/>
+              <a:rPr lang="en-US"/>
               <a:t>Click to edit Master text styles</a:t>
             </a:r>
           </a:p>
           <a:p>
             <a:pPr lvl="1"/>
             <a:r>
-              <a:rPr lang="en-US" smtClean="0"/>
+              <a:rPr lang="en-US"/>
               <a:t>Second level</a:t>
             </a:r>
           </a:p>
           <a:p>
             <a:pPr lvl="2"/>
             <a:r>
-              <a:rPr lang="en-US" smtClean="0"/>
+              <a:rPr lang="en-US"/>
               <a:t>Third level</a:t>
             </a:r>
           </a:p>
           <a:p>
             <a:pPr lvl="3"/>
             <a:r>
-              <a:rPr lang="en-US" smtClean="0"/>
+              <a:rPr lang="en-US"/>
               <a:t>Fourth level</a:t>
             </a:r>
           </a:p>
           <a:p>
             <a:pPr lvl="4"/>
             <a:r>
-              <a:rPr lang="en-US" smtClean="0"/>
+              <a:rPr lang="en-US"/>
               <a:t>Fifth level</a:t>
             </a:r>
-            <a:endParaRPr lang="en-US"/>
           </a:p>
         </p:txBody>
       </p:sp>
@@ -1964,7 +1953,7 @@
                 </a:solidFill>
               </a:rPr>
               <a:pPr/>
-              <a:t>3/10/2022</a:t>
+              <a:t>4/2/22</a:t>
             </a:fld>
             <a:endParaRPr lang="en-US">
               <a:solidFill>
@@ -2092,10 +2081,9 @@
           </a:lstStyle>
           <a:p>
             <a:r>
-              <a:rPr lang="en-US" smtClean="0"/>
+              <a:rPr lang="en-US"/>
               <a:t>Click to edit Master title style</a:t>
             </a:r>
-            <a:endParaRPr lang="en-US"/>
           </a:p>
         </p:txBody>
       </p:sp>
@@ -2212,7 +2200,7 @@
           <a:p>
             <a:pPr lvl="0"/>
             <a:r>
-              <a:rPr lang="en-US" smtClean="0"/>
+              <a:rPr lang="en-US"/>
               <a:t>Click to edit Master text styles</a:t>
             </a:r>
           </a:p>
@@ -2242,7 +2230,7 @@
                 </a:solidFill>
               </a:rPr>
               <a:pPr/>
-              <a:t>3/10/2022</a:t>
+              <a:t>4/2/22</a:t>
             </a:fld>
             <a:endParaRPr lang="en-US">
               <a:solidFill>
@@ -2361,10 +2349,9 @@
           <a:lstStyle/>
           <a:p>
             <a:r>
-              <a:rPr lang="en-US" smtClean="0"/>
+              <a:rPr lang="en-US"/>
               <a:t>Click to edit Master title style</a:t>
             </a:r>
-            <a:endParaRPr lang="en-US"/>
           </a:p>
         </p:txBody>
       </p:sp>
@@ -2418,38 +2405,37 @@
           <a:p>
             <a:pPr lvl="0"/>
             <a:r>
-              <a:rPr lang="en-US" smtClean="0"/>
+              <a:rPr lang="en-US"/>
               <a:t>Click to edit Master text styles</a:t>
             </a:r>
           </a:p>
           <a:p>
             <a:pPr lvl="1"/>
             <a:r>
-              <a:rPr lang="en-US" smtClean="0"/>
+              <a:rPr lang="en-US"/>
               <a:t>Second level</a:t>
             </a:r>
           </a:p>
           <a:p>
             <a:pPr lvl="2"/>
             <a:r>
-              <a:rPr lang="en-US" smtClean="0"/>
+              <a:rPr lang="en-US"/>
               <a:t>Third level</a:t>
             </a:r>
           </a:p>
           <a:p>
             <a:pPr lvl="3"/>
             <a:r>
-              <a:rPr lang="en-US" smtClean="0"/>
+              <a:rPr lang="en-US"/>
               <a:t>Fourth level</a:t>
             </a:r>
           </a:p>
           <a:p>
             <a:pPr lvl="4"/>
             <a:r>
-              <a:rPr lang="en-US" smtClean="0"/>
+              <a:rPr lang="en-US"/>
               <a:t>Fifth level</a:t>
             </a:r>
-            <a:endParaRPr lang="en-US"/>
           </a:p>
         </p:txBody>
       </p:sp>
@@ -2503,38 +2489,37 @@
           <a:p>
             <a:pPr lvl="0"/>
             <a:r>
-              <a:rPr lang="en-US" smtClean="0"/>
+              <a:rPr lang="en-US"/>
               <a:t>Click to edit Master text styles</a:t>
             </a:r>
           </a:p>
           <a:p>
             <a:pPr lvl="1"/>
             <a:r>
-              <a:rPr lang="en-US" smtClean="0"/>
+              <a:rPr lang="en-US"/>
               <a:t>Second level</a:t>
             </a:r>
           </a:p>
           <a:p>
             <a:pPr lvl="2"/>
             <a:r>
-              <a:rPr lang="en-US" smtClean="0"/>
+              <a:rPr lang="en-US"/>
               <a:t>Third level</a:t>
             </a:r>
           </a:p>
           <a:p>
             <a:pPr lvl="3"/>
             <a:r>
-              <a:rPr lang="en-US" smtClean="0"/>
+              <a:rPr lang="en-US"/>
               <a:t>Fourth level</a:t>
             </a:r>
           </a:p>
           <a:p>
             <a:pPr lvl="4"/>
             <a:r>
-              <a:rPr lang="en-US" smtClean="0"/>
+              <a:rPr lang="en-US"/>
               <a:t>Fifth level</a:t>
             </a:r>
-            <a:endParaRPr lang="en-US"/>
           </a:p>
         </p:txBody>
       </p:sp>
@@ -2562,7 +2547,7 @@
                 </a:solidFill>
               </a:rPr>
               <a:pPr/>
-              <a:t>3/10/2022</a:t>
+              <a:t>4/2/22</a:t>
             </a:fld>
             <a:endParaRPr lang="en-US">
               <a:solidFill>
@@ -2685,10 +2670,9 @@
           </a:lstStyle>
           <a:p>
             <a:r>
-              <a:rPr lang="en-US" smtClean="0"/>
+              <a:rPr lang="en-US"/>
               <a:t>Click to edit Master title style</a:t>
             </a:r>
-            <a:endParaRPr lang="en-US"/>
           </a:p>
         </p:txBody>
       </p:sp>
@@ -2751,7 +2735,7 @@
           <a:p>
             <a:pPr lvl="0"/>
             <a:r>
-              <a:rPr lang="en-US" smtClean="0"/>
+              <a:rPr lang="en-US"/>
               <a:t>Click to edit Master text styles</a:t>
             </a:r>
           </a:p>
@@ -2807,38 +2791,37 @@
           <a:p>
             <a:pPr lvl="0"/>
             <a:r>
-              <a:rPr lang="en-US" smtClean="0"/>
+              <a:rPr lang="en-US"/>
               <a:t>Click to edit Master text styles</a:t>
             </a:r>
           </a:p>
           <a:p>
             <a:pPr lvl="1"/>
             <a:r>
-              <a:rPr lang="en-US" smtClean="0"/>
+              <a:rPr lang="en-US"/>
               <a:t>Second level</a:t>
             </a:r>
           </a:p>
           <a:p>
             <a:pPr lvl="2"/>
             <a:r>
-              <a:rPr lang="en-US" smtClean="0"/>
+              <a:rPr lang="en-US"/>
               <a:t>Third level</a:t>
             </a:r>
           </a:p>
           <a:p>
             <a:pPr lvl="3"/>
             <a:r>
-              <a:rPr lang="en-US" smtClean="0"/>
+              <a:rPr lang="en-US"/>
               <a:t>Fourth level</a:t>
             </a:r>
           </a:p>
           <a:p>
             <a:pPr lvl="4"/>
             <a:r>
-              <a:rPr lang="en-US" smtClean="0"/>
+              <a:rPr lang="en-US"/>
               <a:t>Fifth level</a:t>
             </a:r>
-            <a:endParaRPr lang="en-US"/>
           </a:p>
         </p:txBody>
       </p:sp>
@@ -2901,7 +2884,7 @@
           <a:p>
             <a:pPr lvl="0"/>
             <a:r>
-              <a:rPr lang="en-US" smtClean="0"/>
+              <a:rPr lang="en-US"/>
               <a:t>Click to edit Master text styles</a:t>
             </a:r>
           </a:p>
@@ -2957,38 +2940,37 @@
           <a:p>
             <a:pPr lvl="0"/>
             <a:r>
-              <a:rPr lang="en-US" smtClean="0"/>
+              <a:rPr lang="en-US"/>
               <a:t>Click to edit Master text styles</a:t>
             </a:r>
           </a:p>
           <a:p>
             <a:pPr lvl="1"/>
             <a:r>
-              <a:rPr lang="en-US" smtClean="0"/>
+              <a:rPr lang="en-US"/>
               <a:t>Second level</a:t>
             </a:r>
           </a:p>
           <a:p>
             <a:pPr lvl="2"/>
             <a:r>
-              <a:rPr lang="en-US" smtClean="0"/>
+              <a:rPr lang="en-US"/>
               <a:t>Third level</a:t>
             </a:r>
           </a:p>
           <a:p>
             <a:pPr lvl="3"/>
             <a:r>
-              <a:rPr lang="en-US" smtClean="0"/>
+              <a:rPr lang="en-US"/>
               <a:t>Fourth level</a:t>
             </a:r>
           </a:p>
           <a:p>
             <a:pPr lvl="4"/>
             <a:r>
-              <a:rPr lang="en-US" smtClean="0"/>
+              <a:rPr lang="en-US"/>
               <a:t>Fifth level</a:t>
             </a:r>
-            <a:endParaRPr lang="en-US"/>
           </a:p>
         </p:txBody>
       </p:sp>
@@ -3016,7 +2998,7 @@
                 </a:solidFill>
               </a:rPr>
               <a:pPr/>
-              <a:t>3/10/2022</a:t>
+              <a:t>4/2/22</a:t>
             </a:fld>
             <a:endParaRPr lang="en-US">
               <a:solidFill>
@@ -3135,10 +3117,9 @@
           <a:lstStyle/>
           <a:p>
             <a:r>
-              <a:rPr lang="en-US" smtClean="0"/>
+              <a:rPr lang="en-US"/>
               <a:t>Click to edit Master title style</a:t>
             </a:r>
-            <a:endParaRPr lang="en-US"/>
           </a:p>
         </p:txBody>
       </p:sp>
@@ -3166,7 +3147,7 @@
                 </a:solidFill>
               </a:rPr>
               <a:pPr/>
-              <a:t>3/10/2022</a:t>
+              <a:t>4/2/22</a:t>
             </a:fld>
             <a:endParaRPr lang="en-US">
               <a:solidFill>
@@ -3293,7 +3274,7 @@
                 </a:solidFill>
               </a:rPr>
               <a:pPr/>
-              <a:t>3/10/2022</a:t>
+              <a:t>4/2/22</a:t>
             </a:fld>
             <a:endParaRPr lang="en-US">
               <a:solidFill>
@@ -3421,10 +3402,9 @@
           </a:lstStyle>
           <a:p>
             <a:r>
-              <a:rPr lang="en-US" smtClean="0"/>
+              <a:rPr lang="en-US"/>
               <a:t>Click to edit Master title style</a:t>
             </a:r>
-            <a:endParaRPr lang="en-US"/>
           </a:p>
         </p:txBody>
       </p:sp>
@@ -3478,38 +3458,37 @@
           <a:p>
             <a:pPr lvl="0"/>
             <a:r>
-              <a:rPr lang="en-US" smtClean="0"/>
+              <a:rPr lang="en-US"/>
               <a:t>Click to edit Master text styles</a:t>
             </a:r>
           </a:p>
           <a:p>
             <a:pPr lvl="1"/>
             <a:r>
-              <a:rPr lang="en-US" smtClean="0"/>
+              <a:rPr lang="en-US"/>
               <a:t>Second level</a:t>
             </a:r>
           </a:p>
           <a:p>
             <a:pPr lvl="2"/>
             <a:r>
-              <a:rPr lang="en-US" smtClean="0"/>
+              <a:rPr lang="en-US"/>
               <a:t>Third level</a:t>
             </a:r>
           </a:p>
           <a:p>
             <a:pPr lvl="3"/>
             <a:r>
-              <a:rPr lang="en-US" smtClean="0"/>
+              <a:rPr lang="en-US"/>
               <a:t>Fourth level</a:t>
             </a:r>
           </a:p>
           <a:p>
             <a:pPr lvl="4"/>
             <a:r>
-              <a:rPr lang="en-US" smtClean="0"/>
+              <a:rPr lang="en-US"/>
               <a:t>Fifth level</a:t>
             </a:r>
-            <a:endParaRPr lang="en-US"/>
           </a:p>
         </p:txBody>
       </p:sp>
@@ -3572,7 +3551,7 @@
           <a:p>
             <a:pPr lvl="0"/>
             <a:r>
-              <a:rPr lang="en-US" smtClean="0"/>
+              <a:rPr lang="en-US"/>
               <a:t>Click to edit Master text styles</a:t>
             </a:r>
           </a:p>
@@ -3602,7 +3581,7 @@
                 </a:solidFill>
               </a:rPr>
               <a:pPr/>
-              <a:t>3/10/2022</a:t>
+              <a:t>4/2/22</a:t>
             </a:fld>
             <a:endParaRPr lang="en-US">
               <a:solidFill>
@@ -3730,10 +3709,9 @@
           </a:lstStyle>
           <a:p>
             <a:r>
-              <a:rPr lang="en-US" smtClean="0"/>
+              <a:rPr lang="en-US"/>
               <a:t>Click to edit Master title style</a:t>
             </a:r>
-            <a:endParaRPr lang="en-US"/>
           </a:p>
         </p:txBody>
       </p:sp>
@@ -3857,7 +3835,7 @@
           <a:p>
             <a:pPr lvl="0"/>
             <a:r>
-              <a:rPr lang="en-US" smtClean="0"/>
+              <a:rPr lang="en-US"/>
               <a:t>Click to edit Master text styles</a:t>
             </a:r>
           </a:p>
@@ -3887,7 +3865,7 @@
                 </a:solidFill>
               </a:rPr>
               <a:pPr/>
-              <a:t>3/10/2022</a:t>
+              <a:t>4/2/22</a:t>
             </a:fld>
             <a:endParaRPr lang="en-US">
               <a:solidFill>
@@ -4021,10 +3999,9 @@
           <a:lstStyle/>
           <a:p>
             <a:r>
-              <a:rPr lang="en-US" smtClean="0"/>
+              <a:rPr lang="en-US"/>
               <a:t>Click to edit Master title style</a:t>
             </a:r>
-            <a:endParaRPr lang="en-US"/>
           </a:p>
         </p:txBody>
       </p:sp>
@@ -4055,38 +4032,37 @@
           <a:p>
             <a:pPr lvl="0"/>
             <a:r>
-              <a:rPr lang="en-US" smtClean="0"/>
+              <a:rPr lang="en-US"/>
               <a:t>Click to edit Master text styles</a:t>
             </a:r>
           </a:p>
           <a:p>
             <a:pPr lvl="1"/>
             <a:r>
-              <a:rPr lang="en-US" smtClean="0"/>
+              <a:rPr lang="en-US"/>
               <a:t>Second level</a:t>
             </a:r>
           </a:p>
           <a:p>
             <a:pPr lvl="2"/>
             <a:r>
-              <a:rPr lang="en-US" smtClean="0"/>
+              <a:rPr lang="en-US"/>
               <a:t>Third level</a:t>
             </a:r>
           </a:p>
           <a:p>
             <a:pPr lvl="3"/>
             <a:r>
-              <a:rPr lang="en-US" smtClean="0"/>
+              <a:rPr lang="en-US"/>
               <a:t>Fourth level</a:t>
             </a:r>
           </a:p>
           <a:p>
             <a:pPr lvl="4"/>
             <a:r>
-              <a:rPr lang="en-US" smtClean="0"/>
+              <a:rPr lang="en-US"/>
               <a:t>Fifth level</a:t>
             </a:r>
-            <a:endParaRPr lang="en-US"/>
           </a:p>
         </p:txBody>
       </p:sp>
@@ -4132,7 +4108,7 @@
                 </a:solidFill>
               </a:rPr>
               <a:pPr/>
-              <a:t>3/10/2022</a:t>
+              <a:t>4/2/22</a:t>
             </a:fld>
             <a:endParaRPr lang="en-US">
               <a:solidFill>
@@ -4549,10 +4525,9 @@
           <a:lstStyle/>
           <a:p>
             <a:r>
-              <a:rPr lang="en-IN" dirty="0" smtClean="0"/>
+              <a:rPr lang="en-IN" dirty="0"/>
               <a:t>Hierarchical Agglomerative Cluster</a:t>
             </a:r>
-            <a:endParaRPr lang="en-IN" dirty="0"/>
           </a:p>
         </p:txBody>
       </p:sp>
@@ -4572,10 +4547,9 @@
           <a:lstStyle/>
           <a:p>
             <a:r>
-              <a:rPr lang="en-IN" dirty="0" smtClean="0"/>
+              <a:rPr lang="en-IN" dirty="0"/>
               <a:t>HAC</a:t>
             </a:r>
-            <a:endParaRPr lang="en-IN" dirty="0"/>
           </a:p>
         </p:txBody>
       </p:sp>
@@ -4617,13 +4591,6 @@
   <p:clrMapOvr>
     <a:masterClrMapping/>
   </p:clrMapOvr>
-  <p:timing>
-    <p:tnLst>
-      <p:par>
-        <p:cTn id="1" dur="indefinite" restart="never" nodeType="tmRoot"/>
-      </p:par>
-    </p:tnLst>
-  </p:timing>
 </p:sld>
 </file>
 
@@ -4644,47 +4611,15 @@
           <a:chExt cx="0" cy="0"/>
         </a:xfrm>
       </p:grpSpPr>
-      <p:sp>
-        <p:nvSpPr>
-          <p:cNvPr id="2" name="Title 1"/>
-          <p:cNvSpPr>
-            <a:spLocks noGrp="1"/>
-          </p:cNvSpPr>
-          <p:nvPr>
-            <p:ph type="title"/>
-          </p:nvPr>
-        </p:nvSpPr>
-        <p:spPr/>
-        <p:txBody>
-          <a:bodyPr/>
-          <a:lstStyle/>
-          <a:p>
-            <a:endParaRPr lang="en-IN"/>
-          </a:p>
-        </p:txBody>
-      </p:sp>
-      <p:sp>
-        <p:nvSpPr>
-          <p:cNvPr id="3" name="Content Placeholder 2"/>
-          <p:cNvSpPr>
-            <a:spLocks noGrp="1"/>
-          </p:cNvSpPr>
-          <p:nvPr>
-            <p:ph idx="1"/>
-          </p:nvPr>
-        </p:nvSpPr>
-        <p:spPr/>
-        <p:txBody>
-          <a:bodyPr/>
-          <a:lstStyle/>
-          <a:p>
-            <a:endParaRPr lang="en-IN"/>
-          </a:p>
-        </p:txBody>
-      </p:sp>
       <p:pic>
         <p:nvPicPr>
-          <p:cNvPr id="4" name="Picture 3"/>
+          <p:cNvPr id="5" name="Picture 4">
+            <a:extLst>
+              <a:ext uri="{FF2B5EF4-FFF2-40B4-BE49-F238E27FC236}">
+                <a16:creationId xmlns:a16="http://schemas.microsoft.com/office/drawing/2014/main" id="{E6F5C9F5-53C7-7941-B27F-8071C35D1E13}"/>
+              </a:ext>
+            </a:extLst>
+          </p:cNvPr>
           <p:cNvPicPr>
             <a:picLocks noChangeAspect="1"/>
           </p:cNvPicPr>
@@ -4716,13 +4651,6 @@
   <p:clrMapOvr>
     <a:masterClrMapping/>
   </p:clrMapOvr>
-  <p:timing>
-    <p:tnLst>
-      <p:par>
-        <p:cTn id="1" dur="indefinite" restart="never" nodeType="tmRoot"/>
-      </p:par>
-    </p:tnLst>
-  </p:timing>
 </p:sld>
 </file>
 
@@ -4815,13 +4743,6 @@
   <p:clrMapOvr>
     <a:masterClrMapping/>
   </p:clrMapOvr>
-  <p:timing>
-    <p:tnLst>
-      <p:par>
-        <p:cTn id="1" dur="indefinite" restart="never" nodeType="tmRoot"/>
-      </p:par>
-    </p:tnLst>
-  </p:timing>
 </p:sld>
 </file>
 
@@ -4914,13 +4835,6 @@
   <p:clrMapOvr>
     <a:masterClrMapping/>
   </p:clrMapOvr>
-  <p:timing>
-    <p:tnLst>
-      <p:par>
-        <p:cTn id="1" dur="indefinite" restart="never" nodeType="tmRoot"/>
-      </p:par>
-    </p:tnLst>
-  </p:timing>
 </p:sld>
 </file>
 
@@ -5013,13 +4927,6 @@
   <p:clrMapOvr>
     <a:masterClrMapping/>
   </p:clrMapOvr>
-  <p:timing>
-    <p:tnLst>
-      <p:par>
-        <p:cTn id="1" dur="indefinite" restart="never" nodeType="tmRoot"/>
-      </p:par>
-    </p:tnLst>
-  </p:timing>
 </p:sld>
 </file>
 
@@ -5112,13 +5019,6 @@
   <p:clrMapOvr>
     <a:masterClrMapping/>
   </p:clrMapOvr>
-  <p:timing>
-    <p:tnLst>
-      <p:par>
-        <p:cTn id="1" dur="indefinite" restart="never" nodeType="tmRoot"/>
-      </p:par>
-    </p:tnLst>
-  </p:timing>
 </p:sld>
 </file>
 
@@ -5211,13 +5111,6 @@
   <p:clrMapOvr>
     <a:masterClrMapping/>
   </p:clrMapOvr>
-  <p:timing>
-    <p:tnLst>
-      <p:par>
-        <p:cTn id="1" dur="indefinite" restart="never" nodeType="tmRoot"/>
-      </p:par>
-    </p:tnLst>
-  </p:timing>
 </p:sld>
 </file>
 
@@ -5310,13 +5203,6 @@
   <p:clrMapOvr>
     <a:masterClrMapping/>
   </p:clrMapOvr>
-  <p:timing>
-    <p:tnLst>
-      <p:par>
-        <p:cTn id="1" dur="indefinite" restart="never" nodeType="tmRoot"/>
-      </p:par>
-    </p:tnLst>
-  </p:timing>
 </p:sld>
 </file>
 
@@ -5409,92 +5295,10 @@
   <p:clrMapOvr>
     <a:masterClrMapping/>
   </p:clrMapOvr>
-  <p:timing>
-    <p:tnLst>
-      <p:par>
-        <p:cTn id="1" dur="indefinite" restart="never" nodeType="tmRoot"/>
-      </p:par>
-    </p:tnLst>
-  </p:timing>
 </p:sld>
 </file>
 
 <file path=ppt/slides/slide18.xml><?xml version="1.0" encoding="utf-8"?>
-<p:sld xmlns:a="http://schemas.openxmlformats.org/drawingml/2006/main" xmlns:r="http://schemas.openxmlformats.org/officeDocument/2006/relationships" xmlns:p="http://schemas.openxmlformats.org/presentationml/2006/main">
-  <p:cSld>
-    <p:spTree>
-      <p:nvGrpSpPr>
-        <p:cNvPr id="1" name=""/>
-        <p:cNvGrpSpPr/>
-        <p:nvPr/>
-      </p:nvGrpSpPr>
-      <p:grpSpPr>
-        <a:xfrm>
-          <a:off x="0" y="0"/>
-          <a:ext cx="0" cy="0"/>
-          <a:chOff x="0" y="0"/>
-          <a:chExt cx="0" cy="0"/>
-        </a:xfrm>
-      </p:grpSpPr>
-      <p:sp>
-        <p:nvSpPr>
-          <p:cNvPr id="2" name="Title 1"/>
-          <p:cNvSpPr>
-            <a:spLocks noGrp="1"/>
-          </p:cNvSpPr>
-          <p:nvPr>
-            <p:ph type="title"/>
-          </p:nvPr>
-        </p:nvSpPr>
-        <p:spPr/>
-        <p:txBody>
-          <a:bodyPr/>
-          <a:lstStyle/>
-          <a:p>
-            <a:endParaRPr lang="en-IN"/>
-          </a:p>
-        </p:txBody>
-      </p:sp>
-      <p:sp>
-        <p:nvSpPr>
-          <p:cNvPr id="3" name="Content Placeholder 2"/>
-          <p:cNvSpPr>
-            <a:spLocks noGrp="1"/>
-          </p:cNvSpPr>
-          <p:nvPr>
-            <p:ph idx="1"/>
-          </p:nvPr>
-        </p:nvSpPr>
-        <p:spPr/>
-        <p:txBody>
-          <a:bodyPr/>
-          <a:lstStyle/>
-          <a:p>
-            <a:endParaRPr lang="en-IN"/>
-          </a:p>
-        </p:txBody>
-      </p:sp>
-    </p:spTree>
-    <p:extLst>
-      <p:ext uri="{BB962C8B-B14F-4D97-AF65-F5344CB8AC3E}">
-        <p14:creationId xmlns:p14="http://schemas.microsoft.com/office/powerpoint/2010/main" val="2237542390"/>
-      </p:ext>
-    </p:extLst>
-  </p:cSld>
-  <p:clrMapOvr>
-    <a:masterClrMapping/>
-  </p:clrMapOvr>
-  <p:timing>
-    <p:tnLst>
-      <p:par>
-        <p:cTn id="1" dur="indefinite" restart="never" nodeType="tmRoot"/>
-      </p:par>
-    </p:tnLst>
-  </p:timing>
-</p:sld>
-</file>
-
-<file path=ppt/slides/slide19.xml><?xml version="1.0" encoding="utf-8"?>
 <p:sld xmlns:a="http://schemas.openxmlformats.org/drawingml/2006/main" xmlns:r="http://schemas.openxmlformats.org/officeDocument/2006/relationships" xmlns:p="http://schemas.openxmlformats.org/presentationml/2006/main">
   <p:cSld>
     <p:spTree>
@@ -5537,7 +5341,7 @@
               </a:lnSpc>
             </a:pPr>
             <a:r>
-              <a:rPr lang="en-US" altLang="en-US" smtClean="0"/>
+              <a:rPr lang="en-US" altLang="en-US"/>
               <a:t>Problem: clustering analysis with agglomerative algorithm</a:t>
             </a:r>
           </a:p>
@@ -5547,10 +5351,10 @@
               <a:buNone/>
             </a:pPr>
             <a:r>
-              <a:rPr lang="en-US" altLang="en-US" smtClean="0"/>
+              <a:rPr lang="en-US" altLang="en-US"/>
               <a:t>     </a:t>
             </a:r>
-            <a:endParaRPr lang="en-US" altLang="en-US" sz="1800" smtClean="0"/>
+            <a:endParaRPr lang="en-US" altLang="en-US" sz="1800"/>
           </a:p>
         </p:txBody>
       </p:sp>
@@ -6845,120 +6649,10 @@
     <a:masterClrMapping/>
   </p:clrMapOvr>
   <p:transition/>
-  <p:timing>
-    <p:tnLst>
-      <p:par>
-        <p:cTn id="1" dur="indefinite" restart="never" nodeType="tmRoot"/>
-      </p:par>
-    </p:tnLst>
-  </p:timing>
 </p:sld>
 </file>
 
-<file path=ppt/slides/slide2.xml><?xml version="1.0" encoding="utf-8"?>
-<p:sld xmlns:a="http://schemas.openxmlformats.org/drawingml/2006/main" xmlns:r="http://schemas.openxmlformats.org/officeDocument/2006/relationships" xmlns:p="http://schemas.openxmlformats.org/presentationml/2006/main">
-  <p:cSld>
-    <p:spTree>
-      <p:nvGrpSpPr>
-        <p:cNvPr id="1" name=""/>
-        <p:cNvGrpSpPr/>
-        <p:nvPr/>
-      </p:nvGrpSpPr>
-      <p:grpSpPr>
-        <a:xfrm>
-          <a:off x="0" y="0"/>
-          <a:ext cx="0" cy="0"/>
-          <a:chOff x="0" y="0"/>
-          <a:chExt cx="0" cy="0"/>
-        </a:xfrm>
-      </p:grpSpPr>
-      <p:sp>
-        <p:nvSpPr>
-          <p:cNvPr id="2" name="Title 1"/>
-          <p:cNvSpPr>
-            <a:spLocks noGrp="1"/>
-          </p:cNvSpPr>
-          <p:nvPr>
-            <p:ph type="title"/>
-          </p:nvPr>
-        </p:nvSpPr>
-        <p:spPr/>
-        <p:txBody>
-          <a:bodyPr/>
-          <a:lstStyle/>
-          <a:p>
-            <a:r>
-              <a:rPr lang="en-IN" dirty="0" smtClean="0"/>
-              <a:t>Bottom Up Clustering (HAC)</a:t>
-            </a:r>
-            <a:endParaRPr lang="en-IN" dirty="0"/>
-          </a:p>
-        </p:txBody>
-      </p:sp>
-      <p:sp>
-        <p:nvSpPr>
-          <p:cNvPr id="3" name="Content Placeholder 2"/>
-          <p:cNvSpPr>
-            <a:spLocks noGrp="1"/>
-          </p:cNvSpPr>
-          <p:nvPr>
-            <p:ph idx="1"/>
-          </p:nvPr>
-        </p:nvSpPr>
-        <p:spPr/>
-        <p:txBody>
-          <a:bodyPr/>
-          <a:lstStyle/>
-          <a:p>
-            <a:endParaRPr lang="en-IN"/>
-          </a:p>
-        </p:txBody>
-      </p:sp>
-      <p:pic>
-        <p:nvPicPr>
-          <p:cNvPr id="4" name="Picture 3"/>
-          <p:cNvPicPr>
-            <a:picLocks noChangeAspect="1"/>
-          </p:cNvPicPr>
-          <p:nvPr/>
-        </p:nvPicPr>
-        <p:blipFill>
-          <a:blip r:embed="rId2"/>
-          <a:stretch>
-            <a:fillRect/>
-          </a:stretch>
-        </p:blipFill>
-        <p:spPr>
-          <a:xfrm>
-            <a:off x="245105" y="1772816"/>
-            <a:ext cx="8653790" cy="2764904"/>
-          </a:xfrm>
-          <a:prstGeom prst="rect">
-            <a:avLst/>
-          </a:prstGeom>
-        </p:spPr>
-      </p:pic>
-    </p:spTree>
-    <p:extLst>
-      <p:ext uri="{BB962C8B-B14F-4D97-AF65-F5344CB8AC3E}">
-        <p14:creationId xmlns:p14="http://schemas.microsoft.com/office/powerpoint/2010/main" val="721425791"/>
-      </p:ext>
-    </p:extLst>
-  </p:cSld>
-  <p:clrMapOvr>
-    <a:masterClrMapping/>
-  </p:clrMapOvr>
-  <p:timing>
-    <p:tnLst>
-      <p:par>
-        <p:cTn id="1" dur="indefinite" restart="never" nodeType="tmRoot"/>
-      </p:par>
-    </p:tnLst>
-  </p:timing>
-</p:sld>
-</file>
-
-<file path=ppt/slides/slide20.xml><?xml version="1.0" encoding="utf-8"?>
+<file path=ppt/slides/slide19.xml><?xml version="1.0" encoding="utf-8"?>
 <p:sld xmlns:a="http://schemas.openxmlformats.org/drawingml/2006/main" xmlns:r="http://schemas.openxmlformats.org/officeDocument/2006/relationships" xmlns:p="http://schemas.openxmlformats.org/presentationml/2006/main">
   <p:cSld>
     <p:spTree>
@@ -7001,7 +6695,7 @@
               </a:lnSpc>
             </a:pPr>
             <a:r>
-              <a:rPr lang="en-US" altLang="en-US" smtClean="0"/>
+              <a:rPr lang="en-US" altLang="en-US"/>
               <a:t>Merge two closest clusters (iteration 1) </a:t>
             </a:r>
           </a:p>
@@ -7011,10 +6705,10 @@
               <a:buNone/>
             </a:pPr>
             <a:r>
-              <a:rPr lang="en-US" altLang="en-US" smtClean="0"/>
+              <a:rPr lang="en-US" altLang="en-US"/>
               <a:t>     </a:t>
             </a:r>
-            <a:endParaRPr lang="en-US" altLang="en-US" sz="1800" smtClean="0"/>
+            <a:endParaRPr lang="en-US" altLang="en-US" sz="1800"/>
           </a:p>
         </p:txBody>
       </p:sp>
@@ -7587,17 +7281,105 @@
     <a:masterClrMapping/>
   </p:clrMapOvr>
   <p:transition/>
-  <p:timing>
-    <p:tnLst>
-      <p:par>
-        <p:cTn id="1" dur="indefinite" restart="never" nodeType="tmRoot"/>
-      </p:par>
-    </p:tnLst>
-  </p:timing>
 </p:sld>
 </file>
 
-<file path=ppt/slides/slide21.xml><?xml version="1.0" encoding="utf-8"?>
+<file path=ppt/slides/slide2.xml><?xml version="1.0" encoding="utf-8"?>
+<p:sld xmlns:a="http://schemas.openxmlformats.org/drawingml/2006/main" xmlns:r="http://schemas.openxmlformats.org/officeDocument/2006/relationships" xmlns:p="http://schemas.openxmlformats.org/presentationml/2006/main">
+  <p:cSld>
+    <p:spTree>
+      <p:nvGrpSpPr>
+        <p:cNvPr id="1" name=""/>
+        <p:cNvGrpSpPr/>
+        <p:nvPr/>
+      </p:nvGrpSpPr>
+      <p:grpSpPr>
+        <a:xfrm>
+          <a:off x="0" y="0"/>
+          <a:ext cx="0" cy="0"/>
+          <a:chOff x="0" y="0"/>
+          <a:chExt cx="0" cy="0"/>
+        </a:xfrm>
+      </p:grpSpPr>
+      <p:sp>
+        <p:nvSpPr>
+          <p:cNvPr id="2" name="Title 1"/>
+          <p:cNvSpPr>
+            <a:spLocks noGrp="1"/>
+          </p:cNvSpPr>
+          <p:nvPr>
+            <p:ph type="title"/>
+          </p:nvPr>
+        </p:nvSpPr>
+        <p:spPr/>
+        <p:txBody>
+          <a:bodyPr/>
+          <a:lstStyle/>
+          <a:p>
+            <a:r>
+              <a:rPr lang="en-IN" dirty="0"/>
+              <a:t>Bottom Up Clustering (HAC)</a:t>
+            </a:r>
+          </a:p>
+        </p:txBody>
+      </p:sp>
+      <p:sp>
+        <p:nvSpPr>
+          <p:cNvPr id="3" name="Content Placeholder 2"/>
+          <p:cNvSpPr>
+            <a:spLocks noGrp="1"/>
+          </p:cNvSpPr>
+          <p:nvPr>
+            <p:ph idx="1"/>
+          </p:nvPr>
+        </p:nvSpPr>
+        <p:spPr/>
+        <p:txBody>
+          <a:bodyPr/>
+          <a:lstStyle/>
+          <a:p>
+            <a:endParaRPr lang="en-IN"/>
+          </a:p>
+        </p:txBody>
+      </p:sp>
+      <p:pic>
+        <p:nvPicPr>
+          <p:cNvPr id="4" name="Picture 3"/>
+          <p:cNvPicPr>
+            <a:picLocks noChangeAspect="1"/>
+          </p:cNvPicPr>
+          <p:nvPr/>
+        </p:nvPicPr>
+        <p:blipFill>
+          <a:blip r:embed="rId2"/>
+          <a:stretch>
+            <a:fillRect/>
+          </a:stretch>
+        </p:blipFill>
+        <p:spPr>
+          <a:xfrm>
+            <a:off x="245105" y="1772816"/>
+            <a:ext cx="8653790" cy="2764904"/>
+          </a:xfrm>
+          <a:prstGeom prst="rect">
+            <a:avLst/>
+          </a:prstGeom>
+        </p:spPr>
+      </p:pic>
+    </p:spTree>
+    <p:extLst>
+      <p:ext uri="{BB962C8B-B14F-4D97-AF65-F5344CB8AC3E}">
+        <p14:creationId xmlns:p14="http://schemas.microsoft.com/office/powerpoint/2010/main" val="721425791"/>
+      </p:ext>
+    </p:extLst>
+  </p:cSld>
+  <p:clrMapOvr>
+    <a:masterClrMapping/>
+  </p:clrMapOvr>
+</p:sld>
+</file>
+
+<file path=ppt/slides/slide20.xml><?xml version="1.0" encoding="utf-8"?>
 <p:sld xmlns:a="http://schemas.openxmlformats.org/drawingml/2006/main" xmlns:r="http://schemas.openxmlformats.org/officeDocument/2006/relationships" xmlns:p="http://schemas.openxmlformats.org/presentationml/2006/main">
   <p:cSld>
     <p:spTree>
@@ -7640,7 +7422,7 @@
               </a:lnSpc>
             </a:pPr>
             <a:r>
-              <a:rPr lang="en-US" altLang="en-US" smtClean="0"/>
+              <a:rPr lang="en-US" altLang="en-US"/>
               <a:t>Update distance matrix (iteration 1)</a:t>
             </a:r>
           </a:p>
@@ -7650,10 +7432,10 @@
               <a:buNone/>
             </a:pPr>
             <a:r>
-              <a:rPr lang="en-US" altLang="en-US" smtClean="0"/>
+              <a:rPr lang="en-US" altLang="en-US"/>
               <a:t>     </a:t>
             </a:r>
-            <a:endParaRPr lang="en-US" altLang="en-US" sz="1800" smtClean="0"/>
+            <a:endParaRPr lang="en-US" altLang="en-US" sz="1800"/>
           </a:p>
         </p:txBody>
       </p:sp>
@@ -8141,17 +7923,10 @@
     <a:masterClrMapping/>
   </p:clrMapOvr>
   <p:transition/>
-  <p:timing>
-    <p:tnLst>
-      <p:par>
-        <p:cTn id="1" dur="indefinite" restart="never" nodeType="tmRoot"/>
-      </p:par>
-    </p:tnLst>
-  </p:timing>
 </p:sld>
 </file>
 
-<file path=ppt/slides/slide22.xml><?xml version="1.0" encoding="utf-8"?>
+<file path=ppt/slides/slide21.xml><?xml version="1.0" encoding="utf-8"?>
 <p:sld xmlns:a="http://schemas.openxmlformats.org/drawingml/2006/main" xmlns:r="http://schemas.openxmlformats.org/officeDocument/2006/relationships" xmlns:p="http://schemas.openxmlformats.org/presentationml/2006/main">
   <p:cSld>
     <p:spTree>
@@ -8194,7 +7969,7 @@
               </a:lnSpc>
             </a:pPr>
             <a:r>
-              <a:rPr lang="en-US" altLang="en-US" smtClean="0"/>
+              <a:rPr lang="en-US" altLang="en-US"/>
               <a:t>Merge two closest clusters (iteration 2) </a:t>
             </a:r>
           </a:p>
@@ -8204,10 +7979,10 @@
               <a:buNone/>
             </a:pPr>
             <a:r>
-              <a:rPr lang="en-US" altLang="en-US" smtClean="0"/>
+              <a:rPr lang="en-US" altLang="en-US"/>
               <a:t>     </a:t>
             </a:r>
-            <a:endParaRPr lang="en-US" altLang="en-US" sz="1800" smtClean="0"/>
+            <a:endParaRPr lang="en-US" altLang="en-US" sz="1800"/>
           </a:p>
         </p:txBody>
       </p:sp>
@@ -8682,17 +8457,10 @@
     <a:masterClrMapping/>
   </p:clrMapOvr>
   <p:transition/>
-  <p:timing>
-    <p:tnLst>
-      <p:par>
-        <p:cTn id="1" dur="indefinite" restart="never" nodeType="tmRoot"/>
-      </p:par>
-    </p:tnLst>
-  </p:timing>
 </p:sld>
 </file>
 
-<file path=ppt/slides/slide23.xml><?xml version="1.0" encoding="utf-8"?>
+<file path=ppt/slides/slide22.xml><?xml version="1.0" encoding="utf-8"?>
 <p:sld xmlns:a="http://schemas.openxmlformats.org/drawingml/2006/main" xmlns:r="http://schemas.openxmlformats.org/officeDocument/2006/relationships" xmlns:p="http://schemas.openxmlformats.org/presentationml/2006/main">
   <p:cSld>
     <p:spTree>
@@ -8735,7 +8503,7 @@
               </a:lnSpc>
             </a:pPr>
             <a:r>
-              <a:rPr lang="en-US" altLang="en-US" smtClean="0"/>
+              <a:rPr lang="en-US" altLang="en-US"/>
               <a:t>Update distance matrix (iteration 2) </a:t>
             </a:r>
           </a:p>
@@ -9283,17 +9051,10 @@
     <a:masterClrMapping/>
   </p:clrMapOvr>
   <p:transition/>
-  <p:timing>
-    <p:tnLst>
-      <p:par>
-        <p:cTn id="1" dur="indefinite" restart="never" nodeType="tmRoot"/>
-      </p:par>
-    </p:tnLst>
-  </p:timing>
 </p:sld>
 </file>
 
-<file path=ppt/slides/slide24.xml><?xml version="1.0" encoding="utf-8"?>
+<file path=ppt/slides/slide23.xml><?xml version="1.0" encoding="utf-8"?>
 <p:sld xmlns:a="http://schemas.openxmlformats.org/drawingml/2006/main" xmlns:r="http://schemas.openxmlformats.org/officeDocument/2006/relationships" xmlns:p="http://schemas.openxmlformats.org/presentationml/2006/main">
   <p:cSld>
     <p:spTree>
@@ -9336,7 +9097,7 @@
               </a:lnSpc>
             </a:pPr>
             <a:r>
-              <a:rPr lang="en-US" altLang="en-US" smtClean="0"/>
+              <a:rPr lang="en-US" altLang="en-US"/>
               <a:t>Merge two closest clusters/update distance matrix (iteration 3) </a:t>
             </a:r>
           </a:p>
@@ -9346,10 +9107,10 @@
               <a:buNone/>
             </a:pPr>
             <a:r>
-              <a:rPr lang="en-US" altLang="en-US" smtClean="0"/>
+              <a:rPr lang="en-US" altLang="en-US"/>
               <a:t>     </a:t>
             </a:r>
-            <a:endParaRPr lang="en-US" altLang="en-US" sz="1800" smtClean="0"/>
+            <a:endParaRPr lang="en-US" altLang="en-US" sz="1800"/>
           </a:p>
         </p:txBody>
       </p:sp>
@@ -9841,17 +9602,10 @@
     <a:masterClrMapping/>
   </p:clrMapOvr>
   <p:transition/>
-  <p:timing>
-    <p:tnLst>
-      <p:par>
-        <p:cTn id="1" dur="indefinite" restart="never" nodeType="tmRoot"/>
-      </p:par>
-    </p:tnLst>
-  </p:timing>
 </p:sld>
 </file>
 
-<file path=ppt/slides/slide25.xml><?xml version="1.0" encoding="utf-8"?>
+<file path=ppt/slides/slide24.xml><?xml version="1.0" encoding="utf-8"?>
 <p:sld xmlns:a="http://schemas.openxmlformats.org/drawingml/2006/main" xmlns:r="http://schemas.openxmlformats.org/officeDocument/2006/relationships" xmlns:p="http://schemas.openxmlformats.org/presentationml/2006/main">
   <p:cSld>
     <p:spTree>
@@ -9894,7 +9648,7 @@
               </a:lnSpc>
             </a:pPr>
             <a:r>
-              <a:rPr lang="en-US" altLang="en-US" smtClean="0"/>
+              <a:rPr lang="en-US" altLang="en-US"/>
               <a:t>Merge two closest clusters/update distance matrix (iteration 4) </a:t>
             </a:r>
           </a:p>
@@ -9904,10 +9658,10 @@
               <a:buNone/>
             </a:pPr>
             <a:r>
-              <a:rPr lang="en-US" altLang="en-US" smtClean="0"/>
+              <a:rPr lang="en-US" altLang="en-US"/>
               <a:t>     </a:t>
             </a:r>
-            <a:endParaRPr lang="en-US" altLang="en-US" sz="1800" smtClean="0"/>
+            <a:endParaRPr lang="en-US" altLang="en-US" sz="1800"/>
           </a:p>
         </p:txBody>
       </p:sp>
@@ -10470,17 +10224,10 @@
     <a:masterClrMapping/>
   </p:clrMapOvr>
   <p:transition/>
-  <p:timing>
-    <p:tnLst>
-      <p:par>
-        <p:cTn id="1" dur="indefinite" restart="never" nodeType="tmRoot"/>
-      </p:par>
-    </p:tnLst>
-  </p:timing>
 </p:sld>
 </file>
 
-<file path=ppt/slides/slide26.xml><?xml version="1.0" encoding="utf-8"?>
+<file path=ppt/slides/slide25.xml><?xml version="1.0" encoding="utf-8"?>
 <p:sld xmlns:a="http://schemas.openxmlformats.org/drawingml/2006/main" xmlns:r="http://schemas.openxmlformats.org/officeDocument/2006/relationships" xmlns:p="http://schemas.openxmlformats.org/presentationml/2006/main">
   <p:cSld>
     <p:spTree>
@@ -10523,7 +10270,7 @@
               </a:lnSpc>
             </a:pPr>
             <a:r>
-              <a:rPr lang="en-US" altLang="en-US" smtClean="0"/>
+              <a:rPr lang="en-US" altLang="en-US"/>
               <a:t>Final result (meeting termination condition) </a:t>
             </a:r>
           </a:p>
@@ -10533,10 +10280,10 @@
               <a:buNone/>
             </a:pPr>
             <a:r>
-              <a:rPr lang="en-US" altLang="en-US" smtClean="0"/>
+              <a:rPr lang="en-US" altLang="en-US"/>
               <a:t>     </a:t>
             </a:r>
-            <a:endParaRPr lang="en-US" altLang="en-US" sz="1800" smtClean="0"/>
+            <a:endParaRPr lang="en-US" altLang="en-US" sz="1800"/>
           </a:p>
         </p:txBody>
       </p:sp>
@@ -10605,17 +10352,10 @@
     <a:masterClrMapping/>
   </p:clrMapOvr>
   <p:transition/>
-  <p:timing>
-    <p:tnLst>
-      <p:par>
-        <p:cTn id="1" dur="indefinite" restart="never" nodeType="tmRoot"/>
-      </p:par>
-    </p:tnLst>
-  </p:timing>
 </p:sld>
 </file>
 
-<file path=ppt/slides/slide27.xml><?xml version="1.0" encoding="utf-8"?>
+<file path=ppt/slides/slide26.xml><?xml version="1.0" encoding="utf-8"?>
 <p:sld xmlns:a="http://schemas.openxmlformats.org/drawingml/2006/main" xmlns:r="http://schemas.openxmlformats.org/officeDocument/2006/relationships" xmlns:p="http://schemas.openxmlformats.org/presentationml/2006/main">
   <p:cSld>
     <p:spTree>
@@ -10658,7 +10398,7 @@
               </a:lnSpc>
             </a:pPr>
             <a:r>
-              <a:rPr lang="en-US" altLang="en-US" smtClean="0">
+              <a:rPr lang="en-US" altLang="en-US">
                 <a:solidFill>
                   <a:srgbClr val="FF0000"/>
                 </a:solidFill>
@@ -10666,7 +10406,7 @@
               <a:t>Dendrogram tree</a:t>
             </a:r>
             <a:r>
-              <a:rPr lang="en-US" altLang="en-US" smtClean="0"/>
+              <a:rPr lang="en-US" altLang="en-US"/>
               <a:t> representation </a:t>
             </a:r>
           </a:p>
@@ -10676,10 +10416,10 @@
               <a:buNone/>
             </a:pPr>
             <a:r>
-              <a:rPr lang="en-US" altLang="en-US" smtClean="0"/>
+              <a:rPr lang="en-US" altLang="en-US"/>
               <a:t>     </a:t>
             </a:r>
-            <a:endParaRPr lang="en-US" altLang="en-US" sz="1800" smtClean="0"/>
+            <a:endParaRPr lang="en-US" altLang="en-US" sz="1800"/>
           </a:p>
         </p:txBody>
       </p:sp>
@@ -13382,17 +13122,10 @@
     <a:masterClrMapping/>
   </p:clrMapOvr>
   <p:transition/>
-  <p:timing>
-    <p:tnLst>
-      <p:par>
-        <p:cTn id="1" dur="indefinite" restart="never" nodeType="tmRoot"/>
-      </p:par>
-    </p:tnLst>
-  </p:timing>
 </p:sld>
 </file>
 
-<file path=ppt/slides/slide28.xml><?xml version="1.0" encoding="utf-8"?>
+<file path=ppt/slides/slide27.xml><?xml version="1.0" encoding="utf-8"?>
 <p:sld xmlns:a="http://schemas.openxmlformats.org/drawingml/2006/main" xmlns:r="http://schemas.openxmlformats.org/officeDocument/2006/relationships" xmlns:p="http://schemas.openxmlformats.org/presentationml/2006/main">
   <p:cSld>
     <p:spTree>
@@ -13432,7 +13165,7 @@
           <a:lstStyle/>
           <a:p>
             <a:r>
-              <a:rPr lang="en-IN" sz="4800" b="1" u="none" strike="noStrike" baseline="0" dirty="0" smtClean="0">
+              <a:rPr lang="en-IN" sz="4800" b="1" u="none" strike="noStrike" baseline="0" dirty="0">
                 <a:solidFill>
                   <a:srgbClr val="000000"/>
                 </a:solidFill>
@@ -13441,7 +13174,7 @@
               <a:t>Hierarchical:</a:t>
             </a:r>
             <a:r>
-              <a:rPr lang="en-IN" sz="4800" b="1" u="none" strike="noStrike" dirty="0" smtClean="0">
+              <a:rPr lang="en-IN" sz="4800" b="1" u="none" strike="noStrike" dirty="0">
                 <a:solidFill>
                   <a:srgbClr val="000000"/>
                 </a:solidFill>
@@ -13450,7 +13183,7 @@
               <a:t> </a:t>
             </a:r>
             <a:r>
-              <a:rPr lang="en-IN" sz="4800" b="1" u="none" strike="noStrike" baseline="0" dirty="0" smtClean="0">
+              <a:rPr lang="en-IN" sz="4800" b="1" u="none" strike="noStrike" baseline="0" dirty="0">
                 <a:solidFill>
                   <a:srgbClr val="000000"/>
                 </a:solidFill>
@@ -13465,19 +13198,10 @@
                 </a:solidFill>
                 <a:latin typeface="Times New Roman"/>
               </a:rPr>
-              <a:t> </a:t>
+              <a:t> &amp; </a:t>
             </a:r>
             <a:r>
-              <a:rPr lang="en-IN" sz="4800" b="1" dirty="0" smtClean="0">
-                <a:solidFill>
-                  <a:srgbClr val="000000"/>
-                </a:solidFill>
-                <a:latin typeface="Times New Roman"/>
-              </a:rPr>
-              <a:t>&amp; </a:t>
-            </a:r>
-            <a:r>
-              <a:rPr lang="en-IN" sz="4800" b="1" u="none" strike="noStrike" baseline="0" dirty="0" smtClean="0">
+              <a:rPr lang="en-IN" sz="4800" b="1" u="none" strike="noStrike" baseline="0" dirty="0">
                 <a:solidFill>
                   <a:srgbClr val="000000"/>
                 </a:solidFill>
@@ -13486,7 +13210,7 @@
               <a:t> DIANA 	</a:t>
             </a:r>
             <a:br>
-              <a:rPr lang="en-IN" sz="4800" b="1" u="none" strike="noStrike" baseline="0" dirty="0" smtClean="0">
+              <a:rPr lang="en-IN" sz="4800" b="1" u="none" strike="noStrike" baseline="0" dirty="0">
                 <a:solidFill>
                   <a:srgbClr val="000000"/>
                 </a:solidFill>
@@ -13507,17 +13231,10 @@
   <p:clrMapOvr>
     <a:masterClrMapping/>
   </p:clrMapOvr>
-  <p:timing>
-    <p:tnLst>
-      <p:par>
-        <p:cTn id="1" dur="indefinite" restart="never" nodeType="tmRoot"/>
-      </p:par>
-    </p:tnLst>
-  </p:timing>
 </p:sld>
 </file>
 
-<file path=ppt/slides/slide29.xml><?xml version="1.0" encoding="utf-8"?>
+<file path=ppt/slides/slide28.xml><?xml version="1.0" encoding="utf-8"?>
 <p:sld xmlns:a="http://schemas.openxmlformats.org/drawingml/2006/main" xmlns:r="http://schemas.openxmlformats.org/officeDocument/2006/relationships" xmlns:p="http://schemas.openxmlformats.org/presentationml/2006/main">
   <p:cSld>
     <p:spTree>
@@ -13553,7 +13270,7 @@
               <a:defRPr/>
             </a:pPr>
             <a:r>
-              <a:rPr lang="en-US" dirty="0" err="1" smtClean="0">
+              <a:rPr lang="en-US" dirty="0" err="1">
                 <a:solidFill>
                   <a:schemeClr val="accent5">
                     <a:lumMod val="10000"/>
@@ -13564,7 +13281,7 @@
               <a:t>Contd</a:t>
             </a:r>
             <a:r>
-              <a:rPr lang="en-US" dirty="0" smtClean="0">
+              <a:rPr lang="en-US" dirty="0">
                 <a:solidFill>
                   <a:schemeClr val="accent5">
                     <a:lumMod val="10000"/>
@@ -13574,14 +13291,6 @@
               </a:rPr>
               <a:t>….</a:t>
             </a:r>
-            <a:endParaRPr lang="en-US" dirty="0">
-              <a:solidFill>
-                <a:schemeClr val="accent5">
-                  <a:lumMod val="10000"/>
-                </a:schemeClr>
-              </a:solidFill>
-              <a:latin typeface="Times New Roman" pitchFamily="18" charset="0"/>
-            </a:endParaRPr>
           </a:p>
         </p:txBody>
       </p:sp>
@@ -13617,7 +13326,7 @@
               <a:defRPr/>
             </a:pPr>
             <a:r>
-              <a:rPr lang="en-US" dirty="0" smtClean="0">
+              <a:rPr lang="en-US" dirty="0">
                 <a:solidFill>
                   <a:schemeClr val="accent5">
                     <a:lumMod val="10000"/>
@@ -13625,51 +13334,7 @@
                 </a:solidFill>
                 <a:latin typeface="Times New Roman" pitchFamily="18" charset="0"/>
               </a:rPr>
-              <a:t>Two </a:t>
-            </a:r>
-            <a:r>
-              <a:rPr lang="en-US" dirty="0">
-                <a:solidFill>
-                  <a:schemeClr val="accent5">
-                    <a:lumMod val="10000"/>
-                  </a:schemeClr>
-                </a:solidFill>
-                <a:latin typeface="Times New Roman" pitchFamily="18" charset="0"/>
-              </a:rPr>
-              <a:t>types of Hierarchical Clustering: Agglomerative </a:t>
-            </a:r>
-            <a:r>
-              <a:rPr lang="en-US" dirty="0" smtClean="0">
-                <a:solidFill>
-                  <a:schemeClr val="accent5">
-                    <a:lumMod val="10000"/>
-                  </a:schemeClr>
-                </a:solidFill>
-                <a:latin typeface="Times New Roman" pitchFamily="18" charset="0"/>
-              </a:rPr>
-              <a:t>(bottom-up</a:t>
-            </a:r>
-            <a:r>
-              <a:rPr lang="en-US" dirty="0">
-                <a:solidFill>
-                  <a:schemeClr val="accent5">
-                    <a:lumMod val="10000"/>
-                  </a:schemeClr>
-                </a:solidFill>
-                <a:latin typeface="Times New Roman" pitchFamily="18" charset="0"/>
-              </a:rPr>
-              <a:t>) and Divisive </a:t>
-            </a:r>
-            <a:r>
-              <a:rPr lang="en-US" dirty="0" smtClean="0">
-                <a:solidFill>
-                  <a:schemeClr val="accent5">
-                    <a:lumMod val="10000"/>
-                  </a:schemeClr>
-                </a:solidFill>
-                <a:latin typeface="Times New Roman" pitchFamily="18" charset="0"/>
-              </a:rPr>
-              <a:t>(top-down).</a:t>
+              <a:t>Two types of Hierarchical Clustering: Agglomerative (bottom-up) and Divisive (top-down).</a:t>
             </a:r>
           </a:p>
           <a:p>
@@ -13685,7 +13350,7 @@
               <a:defRPr/>
             </a:pPr>
             <a:r>
-              <a:rPr lang="en-US" b="1" dirty="0" smtClean="0">
+              <a:rPr lang="en-US" b="1" dirty="0">
                 <a:solidFill>
                   <a:schemeClr val="accent5">
                     <a:lumMod val="10000"/>
@@ -13696,14 +13361,14 @@
               <a:t>Agglomerative (</a:t>
             </a:r>
             <a:r>
-              <a:rPr lang="en-US" altLang="zh-CN" b="1" dirty="0" smtClean="0">
+              <a:rPr lang="en-US" altLang="zh-CN" b="1" dirty="0">
                 <a:latin typeface="Times New Roman" pitchFamily="18" charset="0"/>
                 <a:ea typeface="宋体" pitchFamily="2" charset="-122"/>
               </a:rPr>
               <a:t>AGNES</a:t>
             </a:r>
             <a:r>
-              <a:rPr lang="en-US" b="1" dirty="0" smtClean="0">
+              <a:rPr lang="en-US" b="1" dirty="0">
                 <a:solidFill>
                   <a:schemeClr val="accent5">
                     <a:lumMod val="10000"/>
@@ -13714,7 +13379,7 @@
               <a:t>)</a:t>
             </a:r>
             <a:r>
-              <a:rPr lang="en-US" dirty="0" smtClean="0">
+              <a:rPr lang="en-US" dirty="0">
                 <a:solidFill>
                   <a:schemeClr val="accent5">
                     <a:lumMod val="10000"/>
@@ -13722,29 +13387,7 @@
                 </a:solidFill>
                 <a:latin typeface="Times New Roman" pitchFamily="18" charset="0"/>
               </a:rPr>
-              <a:t>: </a:t>
-            </a:r>
-            <a:r>
-              <a:rPr lang="en-US" dirty="0">
-                <a:solidFill>
-                  <a:schemeClr val="accent5">
-                    <a:lumMod val="10000"/>
-                  </a:schemeClr>
-                </a:solidFill>
-                <a:latin typeface="Times New Roman" pitchFamily="18" charset="0"/>
-              </a:rPr>
-              <a:t>begin with each element as a separate cluster and merge them into successively larger </a:t>
-            </a:r>
-            <a:r>
-              <a:rPr lang="en-US" dirty="0" smtClean="0">
-                <a:solidFill>
-                  <a:schemeClr val="accent5">
-                    <a:lumMod val="10000"/>
-                  </a:schemeClr>
-                </a:solidFill>
-                <a:latin typeface="Times New Roman" pitchFamily="18" charset="0"/>
-              </a:rPr>
-              <a:t>clusters</a:t>
+              <a:t>: begin with each element as a separate cluster and merge them into successively larger clusters</a:t>
             </a:r>
           </a:p>
           <a:p>
@@ -13760,7 +13403,7 @@
               <a:defRPr/>
             </a:pPr>
             <a:r>
-              <a:rPr lang="en-US" b="1" dirty="0" smtClean="0">
+              <a:rPr lang="en-US" b="1" dirty="0">
                 <a:solidFill>
                   <a:schemeClr val="accent5">
                     <a:lumMod val="10000"/>
@@ -13771,14 +13414,14 @@
               <a:t>Divisive (</a:t>
             </a:r>
             <a:r>
-              <a:rPr lang="en-US" altLang="zh-CN" b="1" dirty="0" smtClean="0">
+              <a:rPr lang="en-US" altLang="zh-CN" b="1" dirty="0">
                 <a:latin typeface="Times New Roman" pitchFamily="18" charset="0"/>
                 <a:ea typeface="宋体" pitchFamily="2" charset="-122"/>
               </a:rPr>
               <a:t>DIANA</a:t>
             </a:r>
             <a:r>
-              <a:rPr lang="en-US" b="1" dirty="0" smtClean="0">
+              <a:rPr lang="en-US" b="1" dirty="0">
                 <a:solidFill>
                   <a:schemeClr val="accent5">
                     <a:lumMod val="10000"/>
@@ -13789,7 +13432,7 @@
               <a:t>)</a:t>
             </a:r>
             <a:r>
-              <a:rPr lang="en-US" dirty="0" smtClean="0">
+              <a:rPr lang="en-US" dirty="0">
                 <a:solidFill>
                   <a:schemeClr val="accent5">
                     <a:lumMod val="10000"/>
@@ -13797,18 +13440,7 @@
                 </a:solidFill>
                 <a:latin typeface="Times New Roman" pitchFamily="18" charset="0"/>
               </a:rPr>
-              <a:t>: </a:t>
-            </a:r>
-            <a:r>
-              <a:rPr lang="en-US" dirty="0">
-                <a:solidFill>
-                  <a:schemeClr val="accent5">
-                    <a:lumMod val="10000"/>
-                  </a:schemeClr>
-                </a:solidFill>
-                <a:latin typeface="Times New Roman" pitchFamily="18" charset="0"/>
-              </a:rPr>
-              <a:t>begin with the whole set and proceed to divide it into successively smaller clusters.</a:t>
+              <a:t>: begin with the whole set and proceed to divide it into successively smaller clusters.</a:t>
             </a:r>
           </a:p>
           <a:p>
@@ -13857,7 +13489,7 @@
               <a:pPr>
                 <a:defRPr/>
               </a:pPr>
-              <a:t>29</a:t>
+              <a:t>28</a:t>
             </a:fld>
             <a:endParaRPr lang="en-US" dirty="0"/>
           </a:p>
@@ -13873,17 +13505,10 @@
   <p:clrMapOvr>
     <a:masterClrMapping/>
   </p:clrMapOvr>
-  <p:timing>
-    <p:tnLst>
-      <p:par>
-        <p:cTn id="1" dur="indefinite" restart="never" nodeType="tmRoot"/>
-      </p:par>
-    </p:tnLst>
-  </p:timing>
 </p:sld>
 </file>
 
-<file path=ppt/slides/slide3.xml><?xml version="1.0" encoding="utf-8"?>
+<file path=ppt/slides/slide29.xml><?xml version="1.0" encoding="utf-8"?>
 <p:sld xmlns:a="http://schemas.openxmlformats.org/drawingml/2006/main" xmlns:r="http://schemas.openxmlformats.org/officeDocument/2006/relationships" xmlns:p="http://schemas.openxmlformats.org/presentationml/2006/main">
   <p:cSld>
     <p:spTree>
@@ -13915,119 +13540,11 @@
           <a:bodyPr/>
           <a:lstStyle/>
           <a:p>
-            <a:r>
-              <a:rPr lang="en-IN" dirty="0" smtClean="0"/>
-              <a:t>Measures of Similarity </a:t>
-            </a:r>
-            <a:endParaRPr lang="en-IN" dirty="0"/>
-          </a:p>
-        </p:txBody>
-      </p:sp>
-      <p:pic>
-        <p:nvPicPr>
-          <p:cNvPr id="5" name="Picture 4"/>
-          <p:cNvPicPr>
-            <a:picLocks noChangeAspect="1"/>
-          </p:cNvPicPr>
-          <p:nvPr/>
-        </p:nvPicPr>
-        <p:blipFill>
-          <a:blip r:embed="rId2"/>
-          <a:stretch>
-            <a:fillRect/>
-          </a:stretch>
-        </p:blipFill>
-        <p:spPr>
-          <a:xfrm>
-            <a:off x="683568" y="1556792"/>
-            <a:ext cx="4735357" cy="1795339"/>
-          </a:xfrm>
-          <a:prstGeom prst="rect">
-            <a:avLst/>
-          </a:prstGeom>
-        </p:spPr>
-      </p:pic>
-      <p:pic>
-        <p:nvPicPr>
-          <p:cNvPr id="6" name="Picture 5"/>
-          <p:cNvPicPr>
-            <a:picLocks noChangeAspect="1"/>
-          </p:cNvPicPr>
-          <p:nvPr/>
-        </p:nvPicPr>
-        <p:blipFill>
-          <a:blip r:embed="rId3"/>
-          <a:stretch>
-            <a:fillRect/>
-          </a:stretch>
-        </p:blipFill>
-        <p:spPr>
-          <a:xfrm>
-            <a:off x="575556" y="3212977"/>
-            <a:ext cx="7992888" cy="3606547"/>
-          </a:xfrm>
-          <a:prstGeom prst="rect">
-            <a:avLst/>
-          </a:prstGeom>
-        </p:spPr>
-      </p:pic>
-    </p:spTree>
-    <p:extLst>
-      <p:ext uri="{BB962C8B-B14F-4D97-AF65-F5344CB8AC3E}">
-        <p14:creationId xmlns:p14="http://schemas.microsoft.com/office/powerpoint/2010/main" val="3477369482"/>
-      </p:ext>
-    </p:extLst>
-  </p:cSld>
-  <p:clrMapOvr>
-    <a:masterClrMapping/>
-  </p:clrMapOvr>
-  <p:timing>
-    <p:tnLst>
-      <p:par>
-        <p:cTn id="1" dur="indefinite" restart="never" nodeType="tmRoot"/>
-      </p:par>
-    </p:tnLst>
-  </p:timing>
-</p:sld>
-</file>
-
-<file path=ppt/slides/slide30.xml><?xml version="1.0" encoding="utf-8"?>
-<p:sld xmlns:a="http://schemas.openxmlformats.org/drawingml/2006/main" xmlns:r="http://schemas.openxmlformats.org/officeDocument/2006/relationships" xmlns:p="http://schemas.openxmlformats.org/presentationml/2006/main">
-  <p:cSld>
-    <p:spTree>
-      <p:nvGrpSpPr>
-        <p:cNvPr id="1" name=""/>
-        <p:cNvGrpSpPr/>
-        <p:nvPr/>
-      </p:nvGrpSpPr>
-      <p:grpSpPr>
-        <a:xfrm>
-          <a:off x="0" y="0"/>
-          <a:ext cx="0" cy="0"/>
-          <a:chOff x="0" y="0"/>
-          <a:chExt cx="0" cy="0"/>
-        </a:xfrm>
-      </p:grpSpPr>
-      <p:sp>
-        <p:nvSpPr>
-          <p:cNvPr id="2" name="Title 1"/>
-          <p:cNvSpPr>
-            <a:spLocks noGrp="1"/>
-          </p:cNvSpPr>
-          <p:nvPr>
-            <p:ph type="title"/>
-          </p:nvPr>
-        </p:nvSpPr>
-        <p:spPr/>
-        <p:txBody>
-          <a:bodyPr/>
-          <a:lstStyle/>
-          <a:p>
             <a:pPr eaLnBrk="1" hangingPunct="1">
               <a:defRPr/>
             </a:pPr>
             <a:r>
-              <a:rPr lang="en-US" dirty="0" err="1" smtClean="0">
+              <a:rPr lang="en-US" dirty="0" err="1">
                 <a:solidFill>
                   <a:schemeClr val="accent5">
                     <a:lumMod val="10000"/>
@@ -14038,7 +13555,7 @@
               <a:t>Contd</a:t>
             </a:r>
             <a:r>
-              <a:rPr lang="en-US" dirty="0" smtClean="0">
+              <a:rPr lang="en-US" dirty="0">
                 <a:solidFill>
                   <a:schemeClr val="accent5">
                     <a:lumMod val="10000"/>
@@ -14075,7 +13592,7 @@
               <a:pPr>
                 <a:defRPr/>
               </a:pPr>
-              <a:t>30</a:t>
+              <a:t>29</a:t>
             </a:fld>
             <a:endParaRPr lang="en-US" dirty="0"/>
           </a:p>
@@ -16113,7 +15630,107 @@
 </p:sld>
 </file>
 
-<file path=ppt/slides/slide31.xml><?xml version="1.0" encoding="utf-8"?>
+<file path=ppt/slides/slide3.xml><?xml version="1.0" encoding="utf-8"?>
+<p:sld xmlns:a="http://schemas.openxmlformats.org/drawingml/2006/main" xmlns:r="http://schemas.openxmlformats.org/officeDocument/2006/relationships" xmlns:p="http://schemas.openxmlformats.org/presentationml/2006/main">
+  <p:cSld>
+    <p:spTree>
+      <p:nvGrpSpPr>
+        <p:cNvPr id="1" name=""/>
+        <p:cNvGrpSpPr/>
+        <p:nvPr/>
+      </p:nvGrpSpPr>
+      <p:grpSpPr>
+        <a:xfrm>
+          <a:off x="0" y="0"/>
+          <a:ext cx="0" cy="0"/>
+          <a:chOff x="0" y="0"/>
+          <a:chExt cx="0" cy="0"/>
+        </a:xfrm>
+      </p:grpSpPr>
+      <p:sp>
+        <p:nvSpPr>
+          <p:cNvPr id="2" name="Title 1"/>
+          <p:cNvSpPr>
+            <a:spLocks noGrp="1"/>
+          </p:cNvSpPr>
+          <p:nvPr>
+            <p:ph type="title"/>
+          </p:nvPr>
+        </p:nvSpPr>
+        <p:spPr/>
+        <p:txBody>
+          <a:bodyPr/>
+          <a:lstStyle/>
+          <a:p>
+            <a:r>
+              <a:rPr lang="en-IN" dirty="0"/>
+              <a:t>Measures of Similarity </a:t>
+            </a:r>
+          </a:p>
+        </p:txBody>
+      </p:sp>
+      <p:pic>
+        <p:nvPicPr>
+          <p:cNvPr id="5" name="Picture 4"/>
+          <p:cNvPicPr>
+            <a:picLocks noChangeAspect="1"/>
+          </p:cNvPicPr>
+          <p:nvPr/>
+        </p:nvPicPr>
+        <p:blipFill>
+          <a:blip r:embed="rId2"/>
+          <a:stretch>
+            <a:fillRect/>
+          </a:stretch>
+        </p:blipFill>
+        <p:spPr>
+          <a:xfrm>
+            <a:off x="683568" y="1556792"/>
+            <a:ext cx="4735357" cy="1795339"/>
+          </a:xfrm>
+          <a:prstGeom prst="rect">
+            <a:avLst/>
+          </a:prstGeom>
+        </p:spPr>
+      </p:pic>
+      <p:pic>
+        <p:nvPicPr>
+          <p:cNvPr id="6" name="Picture 5"/>
+          <p:cNvPicPr>
+            <a:picLocks noChangeAspect="1"/>
+          </p:cNvPicPr>
+          <p:nvPr/>
+        </p:nvPicPr>
+        <p:blipFill>
+          <a:blip r:embed="rId3"/>
+          <a:stretch>
+            <a:fillRect/>
+          </a:stretch>
+        </p:blipFill>
+        <p:spPr>
+          <a:xfrm>
+            <a:off x="575556" y="3212977"/>
+            <a:ext cx="7992888" cy="3606547"/>
+          </a:xfrm>
+          <a:prstGeom prst="rect">
+            <a:avLst/>
+          </a:prstGeom>
+        </p:spPr>
+      </p:pic>
+    </p:spTree>
+    <p:extLst>
+      <p:ext uri="{BB962C8B-B14F-4D97-AF65-F5344CB8AC3E}">
+        <p14:creationId xmlns:p14="http://schemas.microsoft.com/office/powerpoint/2010/main" val="3477369482"/>
+      </p:ext>
+    </p:extLst>
+  </p:cSld>
+  <p:clrMapOvr>
+    <a:masterClrMapping/>
+  </p:clrMapOvr>
+</p:sld>
+</file>
+
+<file path=ppt/slides/slide30.xml><?xml version="1.0" encoding="utf-8"?>
 <p:sld xmlns:a="http://schemas.openxmlformats.org/drawingml/2006/main" xmlns:r="http://schemas.openxmlformats.org/officeDocument/2006/relationships" xmlns:p="http://schemas.openxmlformats.org/presentationml/2006/main">
   <p:cSld>
     <p:spTree>
@@ -16152,12 +15769,12 @@
           <a:p>
             <a:pPr eaLnBrk="1" hangingPunct="1"/>
             <a:r>
-              <a:rPr lang="en-US" altLang="zh-CN" sz="3200" smtClean="0">
+              <a:rPr lang="en-US" altLang="zh-CN" sz="3200">
                 <a:ea typeface="宋体" pitchFamily="2" charset="-122"/>
               </a:rPr>
               <a:t>AGNES (Agglomerative Nesting)</a:t>
             </a:r>
-            <a:endParaRPr lang="en-US" altLang="zh-CN" sz="2400" smtClean="0">
+            <a:endParaRPr lang="en-US" altLang="zh-CN" sz="2400">
               <a:ea typeface="宋体" pitchFamily="2" charset="-122"/>
             </a:endParaRPr>
           </a:p>
@@ -16192,7 +15809,7 @@
               </a:spcBef>
             </a:pPr>
             <a:r>
-              <a:rPr lang="en-US" altLang="zh-CN" smtClean="0">
+              <a:rPr lang="en-US" altLang="zh-CN">
                 <a:ea typeface="宋体" pitchFamily="2" charset="-122"/>
               </a:rPr>
               <a:t>Agglomerative, Bottom-up approach</a:t>
@@ -16208,7 +15825,7 @@
               </a:spcBef>
             </a:pPr>
             <a:r>
-              <a:rPr lang="en-US" smtClean="0"/>
+              <a:rPr lang="en-US"/>
               <a:t>Initially each item in its own cluster</a:t>
             </a:r>
           </a:p>
@@ -16222,10 +15839,10 @@
               </a:spcBef>
             </a:pPr>
             <a:r>
-              <a:rPr lang="en-US" smtClean="0"/>
+              <a:rPr lang="en-US"/>
               <a:t>Iteratively clusters are merged together</a:t>
             </a:r>
-            <a:endParaRPr lang="en-US" altLang="zh-CN" smtClean="0">
+            <a:endParaRPr lang="en-US" altLang="zh-CN">
               <a:ea typeface="宋体" pitchFamily="2" charset="-122"/>
             </a:endParaRPr>
           </a:p>
@@ -16263,7 +15880,7 @@
             <a:graphicData uri="http://schemas.openxmlformats.org/presentationml/2006/ole">
               <mc:AlternateContent xmlns:mc="http://schemas.openxmlformats.org/markup-compatibility/2006">
                 <mc:Choice xmlns:v="urn:schemas-microsoft-com:vml" Requires="v">
-                  <p:oleObj spid="_x0000_s1035" name="Worksheet" r:id="rId3" imgW="2598840" imgH="2452680" progId="Excel.Sheet.8">
+                  <p:oleObj spid="_x0000_s1062" name="Worksheet" r:id="rId3" imgW="2598840" imgH="2452680" progId="Excel.Sheet.8">
                     <p:embed/>
                   </p:oleObj>
                 </mc:Choice>
@@ -16484,7 +16101,7 @@
             <a:graphicData uri="http://schemas.openxmlformats.org/presentationml/2006/ole">
               <mc:AlternateContent xmlns:mc="http://schemas.openxmlformats.org/markup-compatibility/2006">
                 <mc:Choice xmlns:v="urn:schemas-microsoft-com:vml" Requires="v">
-                  <p:oleObj spid="_x0000_s1036" name="Worksheet" r:id="rId5" imgW="2598840" imgH="2452680" progId="Excel.Sheet.8">
+                  <p:oleObj spid="_x0000_s1063" name="Worksheet" r:id="rId5" imgW="2598840" imgH="2452680" progId="Excel.Sheet.8">
                     <p:embed/>
                   </p:oleObj>
                 </mc:Choice>
@@ -16742,7 +16359,7 @@
             <a:graphicData uri="http://schemas.openxmlformats.org/presentationml/2006/ole">
               <mc:AlternateContent xmlns:mc="http://schemas.openxmlformats.org/markup-compatibility/2006">
                 <mc:Choice xmlns:v="urn:schemas-microsoft-com:vml" Requires="v">
-                  <p:oleObj spid="_x0000_s1037" name="Worksheet" r:id="rId6" imgW="2598840" imgH="2452680" progId="Excel.Sheet.8">
+                  <p:oleObj spid="_x0000_s1064" name="Worksheet" r:id="rId6" imgW="2598840" imgH="2452680" progId="Excel.Sheet.8">
                     <p:embed/>
                   </p:oleObj>
                 </mc:Choice>
@@ -16982,7 +16599,7 @@
 </p:sld>
 </file>
 
-<file path=ppt/slides/slide32.xml><?xml version="1.0" encoding="utf-8"?>
+<file path=ppt/slides/slide31.xml><?xml version="1.0" encoding="utf-8"?>
 <p:sld xmlns:a="http://schemas.openxmlformats.org/drawingml/2006/main" xmlns:r="http://schemas.openxmlformats.org/officeDocument/2006/relationships" xmlns:p="http://schemas.openxmlformats.org/presentationml/2006/main">
   <p:cSld>
     <p:spTree>
@@ -17021,12 +16638,12 @@
           <a:p>
             <a:pPr eaLnBrk="1" hangingPunct="1"/>
             <a:r>
-              <a:rPr lang="en-US" altLang="zh-CN" sz="3200" smtClean="0">
+              <a:rPr lang="en-US" altLang="zh-CN" sz="3200">
                 <a:ea typeface="宋体" pitchFamily="2" charset="-122"/>
               </a:rPr>
               <a:t>DIANA (Divisive Analysis)</a:t>
             </a:r>
-            <a:endParaRPr lang="en-US" altLang="zh-CN" sz="2400" smtClean="0">
+            <a:endParaRPr lang="en-US" altLang="zh-CN" sz="2400">
               <a:ea typeface="宋体" pitchFamily="2" charset="-122"/>
             </a:endParaRPr>
           </a:p>
@@ -17061,7 +16678,7 @@
               <a:buChar char="•"/>
             </a:pPr>
             <a:r>
-              <a:rPr lang="en-US" smtClean="0"/>
+              <a:rPr lang="en-US"/>
               <a:t>Initially all items in one cluster</a:t>
             </a:r>
           </a:p>
@@ -17075,7 +16692,7 @@
               <a:buChar char="•"/>
             </a:pPr>
             <a:r>
-              <a:rPr lang="en-US" smtClean="0"/>
+              <a:rPr lang="en-US"/>
               <a:t>Large clusters are successively divided</a:t>
             </a:r>
           </a:p>
@@ -17089,10 +16706,10 @@
               <a:buChar char="•"/>
             </a:pPr>
             <a:r>
-              <a:rPr lang="en-US" smtClean="0"/>
+              <a:rPr lang="en-US"/>
               <a:t>Top Down</a:t>
             </a:r>
-            <a:endParaRPr lang="en-US" altLang="zh-CN" smtClean="0">
+            <a:endParaRPr lang="en-US" altLang="zh-CN">
               <a:ea typeface="宋体" pitchFamily="2" charset="-122"/>
             </a:endParaRPr>
           </a:p>
@@ -17130,7 +16747,7 @@
             <a:graphicData uri="http://schemas.openxmlformats.org/presentationml/2006/ole">
               <mc:AlternateContent xmlns:mc="http://schemas.openxmlformats.org/markup-compatibility/2006">
                 <mc:Choice xmlns:v="urn:schemas-microsoft-com:vml" Requires="v">
-                  <p:oleObj spid="_x0000_s2059" name="Worksheet" r:id="rId3" imgW="2598840" imgH="2452680" progId="Excel.Sheet.8">
+                  <p:oleObj spid="_x0000_s2086" name="Worksheet" r:id="rId3" imgW="2598840" imgH="2452680" progId="Excel.Sheet.8">
                     <p:embed/>
                   </p:oleObj>
                 </mc:Choice>
@@ -17314,7 +16931,7 @@
             <a:graphicData uri="http://schemas.openxmlformats.org/presentationml/2006/ole">
               <mc:AlternateContent xmlns:mc="http://schemas.openxmlformats.org/markup-compatibility/2006">
                 <mc:Choice xmlns:v="urn:schemas-microsoft-com:vml" Requires="v">
-                  <p:oleObj spid="_x0000_s2060" name="Worksheet" r:id="rId5" imgW="2598840" imgH="2452680" progId="Excel.Sheet.8">
+                  <p:oleObj spid="_x0000_s2087" name="Worksheet" r:id="rId5" imgW="2598840" imgH="2452680" progId="Excel.Sheet.8">
                     <p:embed/>
                   </p:oleObj>
                 </mc:Choice>
@@ -17572,7 +17189,7 @@
             <a:graphicData uri="http://schemas.openxmlformats.org/presentationml/2006/ole">
               <mc:AlternateContent xmlns:mc="http://schemas.openxmlformats.org/markup-compatibility/2006">
                 <mc:Choice xmlns:v="urn:schemas-microsoft-com:vml" Requires="v">
-                  <p:oleObj spid="_x0000_s2061" name="Worksheet" r:id="rId6" imgW="2598840" imgH="2452680" progId="Excel.Sheet.8">
+                  <p:oleObj spid="_x0000_s2088" name="Worksheet" r:id="rId6" imgW="2598840" imgH="2452680" progId="Excel.Sheet.8">
                     <p:embed/>
                   </p:oleObj>
                 </mc:Choice>
@@ -18036,10 +17653,9 @@
           <a:lstStyle/>
           <a:p>
             <a:r>
-              <a:rPr lang="en-IN" dirty="0" smtClean="0"/>
+              <a:rPr lang="en-IN" dirty="0"/>
               <a:t>Measuring the Similarity</a:t>
             </a:r>
-            <a:endParaRPr lang="en-IN" dirty="0"/>
           </a:p>
         </p:txBody>
       </p:sp>
@@ -18053,13 +17669,6 @@
   <p:clrMapOvr>
     <a:masterClrMapping/>
   </p:clrMapOvr>
-  <p:timing>
-    <p:tnLst>
-      <p:par>
-        <p:cTn id="1" dur="indefinite" restart="never" nodeType="tmRoot"/>
-      </p:par>
-    </p:tnLst>
-  </p:timing>
 </p:sld>
 </file>
 
@@ -18157,13 +17766,6 @@
   <p:clrMapOvr>
     <a:masterClrMapping/>
   </p:clrMapOvr>
-  <p:timing>
-    <p:tnLst>
-      <p:par>
-        <p:cTn id="1" dur="indefinite" restart="never" nodeType="tmRoot"/>
-      </p:par>
-    </p:tnLst>
-  </p:timing>
 </p:sld>
 </file>
 
@@ -18256,13 +17858,6 @@
   <p:clrMapOvr>
     <a:masterClrMapping/>
   </p:clrMapOvr>
-  <p:timing>
-    <p:tnLst>
-      <p:par>
-        <p:cTn id="1" dur="indefinite" restart="never" nodeType="tmRoot"/>
-      </p:par>
-    </p:tnLst>
-  </p:timing>
 </p:sld>
 </file>
 
@@ -18291,25 +17886,6 @@
           </p:cNvSpPr>
           <p:nvPr>
             <p:ph type="title"/>
-          </p:nvPr>
-        </p:nvSpPr>
-        <p:spPr/>
-        <p:txBody>
-          <a:bodyPr/>
-          <a:lstStyle/>
-          <a:p>
-            <a:endParaRPr lang="en-IN"/>
-          </a:p>
-        </p:txBody>
-      </p:sp>
-      <p:sp>
-        <p:nvSpPr>
-          <p:cNvPr id="3" name="Content Placeholder 2"/>
-          <p:cNvSpPr>
-            <a:spLocks noGrp="1"/>
-          </p:cNvSpPr>
-          <p:nvPr>
-            <p:ph idx="1"/>
           </p:nvPr>
         </p:nvSpPr>
         <p:spPr/>
@@ -18355,13 +17931,6 @@
   <p:clrMapOvr>
     <a:masterClrMapping/>
   </p:clrMapOvr>
-  <p:timing>
-    <p:tnLst>
-      <p:par>
-        <p:cTn id="1" dur="indefinite" restart="never" nodeType="tmRoot"/>
-      </p:par>
-    </p:tnLst>
-  </p:timing>
 </p:sld>
 </file>
 
@@ -18390,25 +17959,6 @@
           </p:cNvSpPr>
           <p:nvPr>
             <p:ph type="title"/>
-          </p:nvPr>
-        </p:nvSpPr>
-        <p:spPr/>
-        <p:txBody>
-          <a:bodyPr/>
-          <a:lstStyle/>
-          <a:p>
-            <a:endParaRPr lang="en-IN"/>
-          </a:p>
-        </p:txBody>
-      </p:sp>
-      <p:sp>
-        <p:nvSpPr>
-          <p:cNvPr id="3" name="Content Placeholder 2"/>
-          <p:cNvSpPr>
-            <a:spLocks noGrp="1"/>
-          </p:cNvSpPr>
-          <p:nvPr>
-            <p:ph idx="1"/>
           </p:nvPr>
         </p:nvSpPr>
         <p:spPr/>
@@ -18454,13 +18004,6 @@
   <p:clrMapOvr>
     <a:masterClrMapping/>
   </p:clrMapOvr>
-  <p:timing>
-    <p:tnLst>
-      <p:par>
-        <p:cTn id="1" dur="indefinite" restart="never" nodeType="tmRoot"/>
-      </p:par>
-    </p:tnLst>
-  </p:timing>
 </p:sld>
 </file>
 
@@ -18489,25 +18032,6 @@
           </p:cNvSpPr>
           <p:nvPr>
             <p:ph type="title"/>
-          </p:nvPr>
-        </p:nvSpPr>
-        <p:spPr/>
-        <p:txBody>
-          <a:bodyPr/>
-          <a:lstStyle/>
-          <a:p>
-            <a:endParaRPr lang="en-IN"/>
-          </a:p>
-        </p:txBody>
-      </p:sp>
-      <p:sp>
-        <p:nvSpPr>
-          <p:cNvPr id="3" name="Content Placeholder 2"/>
-          <p:cNvSpPr>
-            <a:spLocks noGrp="1"/>
-          </p:cNvSpPr>
-          <p:nvPr>
-            <p:ph idx="1"/>
           </p:nvPr>
         </p:nvSpPr>
         <p:spPr/>
@@ -18553,13 +18077,6 @@
   <p:clrMapOvr>
     <a:masterClrMapping/>
   </p:clrMapOvr>
-  <p:timing>
-    <p:tnLst>
-      <p:par>
-        <p:cTn id="1" dur="indefinite" restart="never" nodeType="tmRoot"/>
-      </p:par>
-    </p:tnLst>
-  </p:timing>
 </p:sld>
 </file>
 

--- a/CSI3010 Data Warehousing Data Mining/reference materials/module-5 cluster analysis and outlier analysis/18_Heirarchical Clustering.pptx
+++ b/CSI3010 Data Warehousing Data Mining/reference materials/module-5 cluster analysis and outlier analysis/18_Heirarchical Clustering.pptx
@@ -238,7 +238,7 @@
           <a:p>
             <a:fld id="{AA4BDA8C-820C-459C-9AC3-513B5DFE5A4F}" type="datetimeFigureOut">
               <a:rPr lang="en-IN" smtClean="0"/>
-              <a:t>02/04/22</a:t>
+              <a:t>03/04/22</a:t>
             </a:fld>
             <a:endParaRPr lang="en-IN"/>
           </a:p>
@@ -1090,7 +1090,7 @@
                 </a:solidFill>
               </a:rPr>
               <a:pPr/>
-              <a:t>4/2/22</a:t>
+              <a:t>4/3/22</a:t>
             </a:fld>
             <a:endParaRPr lang="en-US">
               <a:solidFill>
@@ -1290,7 +1290,7 @@
                 </a:solidFill>
               </a:rPr>
               <a:pPr/>
-              <a:t>4/2/22</a:t>
+              <a:t>4/3/22</a:t>
             </a:fld>
             <a:endParaRPr lang="en-US">
               <a:solidFill>
@@ -1500,7 +1500,7 @@
                 </a:solidFill>
               </a:rPr>
               <a:pPr/>
-              <a:t>4/2/22</a:t>
+              <a:t>4/3/22</a:t>
             </a:fld>
             <a:endParaRPr lang="en-US">
               <a:solidFill>
@@ -1953,7 +1953,7 @@
                 </a:solidFill>
               </a:rPr>
               <a:pPr/>
-              <a:t>4/2/22</a:t>
+              <a:t>4/3/22</a:t>
             </a:fld>
             <a:endParaRPr lang="en-US">
               <a:solidFill>
@@ -2230,7 +2230,7 @@
                 </a:solidFill>
               </a:rPr>
               <a:pPr/>
-              <a:t>4/2/22</a:t>
+              <a:t>4/3/22</a:t>
             </a:fld>
             <a:endParaRPr lang="en-US">
               <a:solidFill>
@@ -2547,7 +2547,7 @@
                 </a:solidFill>
               </a:rPr>
               <a:pPr/>
-              <a:t>4/2/22</a:t>
+              <a:t>4/3/22</a:t>
             </a:fld>
             <a:endParaRPr lang="en-US">
               <a:solidFill>
@@ -2998,7 +2998,7 @@
                 </a:solidFill>
               </a:rPr>
               <a:pPr/>
-              <a:t>4/2/22</a:t>
+              <a:t>4/3/22</a:t>
             </a:fld>
             <a:endParaRPr lang="en-US">
               <a:solidFill>
@@ -3147,7 +3147,7 @@
                 </a:solidFill>
               </a:rPr>
               <a:pPr/>
-              <a:t>4/2/22</a:t>
+              <a:t>4/3/22</a:t>
             </a:fld>
             <a:endParaRPr lang="en-US">
               <a:solidFill>
@@ -3274,7 +3274,7 @@
                 </a:solidFill>
               </a:rPr>
               <a:pPr/>
-              <a:t>4/2/22</a:t>
+              <a:t>4/3/22</a:t>
             </a:fld>
             <a:endParaRPr lang="en-US">
               <a:solidFill>
@@ -3581,7 +3581,7 @@
                 </a:solidFill>
               </a:rPr>
               <a:pPr/>
-              <a:t>4/2/22</a:t>
+              <a:t>4/3/22</a:t>
             </a:fld>
             <a:endParaRPr lang="en-US">
               <a:solidFill>
@@ -3865,7 +3865,7 @@
                 </a:solidFill>
               </a:rPr>
               <a:pPr/>
-              <a:t>4/2/22</a:t>
+              <a:t>4/3/22</a:t>
             </a:fld>
             <a:endParaRPr lang="en-US">
               <a:solidFill>
@@ -4108,7 +4108,7 @@
                 </a:solidFill>
               </a:rPr>
               <a:pPr/>
-              <a:t>4/2/22</a:t>
+              <a:t>4/3/22</a:t>
             </a:fld>
             <a:endParaRPr lang="en-US">
               <a:solidFill>
@@ -15880,7 +15880,7 @@
             <a:graphicData uri="http://schemas.openxmlformats.org/presentationml/2006/ole">
               <mc:AlternateContent xmlns:mc="http://schemas.openxmlformats.org/markup-compatibility/2006">
                 <mc:Choice xmlns:v="urn:schemas-microsoft-com:vml" Requires="v">
-                  <p:oleObj spid="_x0000_s1062" name="Worksheet" r:id="rId3" imgW="2598840" imgH="2452680" progId="Excel.Sheet.8">
+                  <p:oleObj spid="_x0000_s1065" name="Worksheet" r:id="rId3" imgW="2598840" imgH="2452680" progId="Excel.Sheet.8">
                     <p:embed/>
                   </p:oleObj>
                 </mc:Choice>
@@ -16101,7 +16101,7 @@
             <a:graphicData uri="http://schemas.openxmlformats.org/presentationml/2006/ole">
               <mc:AlternateContent xmlns:mc="http://schemas.openxmlformats.org/markup-compatibility/2006">
                 <mc:Choice xmlns:v="urn:schemas-microsoft-com:vml" Requires="v">
-                  <p:oleObj spid="_x0000_s1063" name="Worksheet" r:id="rId5" imgW="2598840" imgH="2452680" progId="Excel.Sheet.8">
+                  <p:oleObj spid="_x0000_s1066" name="Worksheet" r:id="rId5" imgW="2598840" imgH="2452680" progId="Excel.Sheet.8">
                     <p:embed/>
                   </p:oleObj>
                 </mc:Choice>
@@ -16359,7 +16359,7 @@
             <a:graphicData uri="http://schemas.openxmlformats.org/presentationml/2006/ole">
               <mc:AlternateContent xmlns:mc="http://schemas.openxmlformats.org/markup-compatibility/2006">
                 <mc:Choice xmlns:v="urn:schemas-microsoft-com:vml" Requires="v">
-                  <p:oleObj spid="_x0000_s1064" name="Worksheet" r:id="rId6" imgW="2598840" imgH="2452680" progId="Excel.Sheet.8">
+                  <p:oleObj spid="_x0000_s1067" name="Worksheet" r:id="rId6" imgW="2598840" imgH="2452680" progId="Excel.Sheet.8">
                     <p:embed/>
                   </p:oleObj>
                 </mc:Choice>
@@ -16747,7 +16747,7 @@
             <a:graphicData uri="http://schemas.openxmlformats.org/presentationml/2006/ole">
               <mc:AlternateContent xmlns:mc="http://schemas.openxmlformats.org/markup-compatibility/2006">
                 <mc:Choice xmlns:v="urn:schemas-microsoft-com:vml" Requires="v">
-                  <p:oleObj spid="_x0000_s2086" name="Worksheet" r:id="rId3" imgW="2598840" imgH="2452680" progId="Excel.Sheet.8">
+                  <p:oleObj spid="_x0000_s2089" name="Worksheet" r:id="rId3" imgW="2598840" imgH="2452680" progId="Excel.Sheet.8">
                     <p:embed/>
                   </p:oleObj>
                 </mc:Choice>
@@ -16931,7 +16931,7 @@
             <a:graphicData uri="http://schemas.openxmlformats.org/presentationml/2006/ole">
               <mc:AlternateContent xmlns:mc="http://schemas.openxmlformats.org/markup-compatibility/2006">
                 <mc:Choice xmlns:v="urn:schemas-microsoft-com:vml" Requires="v">
-                  <p:oleObj spid="_x0000_s2087" name="Worksheet" r:id="rId5" imgW="2598840" imgH="2452680" progId="Excel.Sheet.8">
+                  <p:oleObj spid="_x0000_s2090" name="Worksheet" r:id="rId5" imgW="2598840" imgH="2452680" progId="Excel.Sheet.8">
                     <p:embed/>
                   </p:oleObj>
                 </mc:Choice>
@@ -17189,7 +17189,7 @@
             <a:graphicData uri="http://schemas.openxmlformats.org/presentationml/2006/ole">
               <mc:AlternateContent xmlns:mc="http://schemas.openxmlformats.org/markup-compatibility/2006">
                 <mc:Choice xmlns:v="urn:schemas-microsoft-com:vml" Requires="v">
-                  <p:oleObj spid="_x0000_s2088" name="Worksheet" r:id="rId6" imgW="2598840" imgH="2452680" progId="Excel.Sheet.8">
+                  <p:oleObj spid="_x0000_s2091" name="Worksheet" r:id="rId6" imgW="2598840" imgH="2452680" progId="Excel.Sheet.8">
                     <p:embed/>
                   </p:oleObj>
                 </mc:Choice>

--- a/CSI3010 Data Warehousing Data Mining/reference materials/module-5 cluster analysis and outlier analysis/18_Heirarchical Clustering.pptx
+++ b/CSI3010 Data Warehousing Data Mining/reference materials/module-5 cluster analysis and outlier analysis/18_Heirarchical Clustering.pptx
@@ -238,7 +238,7 @@
           <a:p>
             <a:fld id="{AA4BDA8C-820C-459C-9AC3-513B5DFE5A4F}" type="datetimeFigureOut">
               <a:rPr lang="en-IN" smtClean="0"/>
-              <a:t>03/04/22</a:t>
+              <a:t>15/05/22</a:t>
             </a:fld>
             <a:endParaRPr lang="en-IN"/>
           </a:p>
@@ -1090,7 +1090,7 @@
                 </a:solidFill>
               </a:rPr>
               <a:pPr/>
-              <a:t>4/3/22</a:t>
+              <a:t>5/15/22</a:t>
             </a:fld>
             <a:endParaRPr lang="en-US">
               <a:solidFill>
@@ -1290,7 +1290,7 @@
                 </a:solidFill>
               </a:rPr>
               <a:pPr/>
-              <a:t>4/3/22</a:t>
+              <a:t>5/15/22</a:t>
             </a:fld>
             <a:endParaRPr lang="en-US">
               <a:solidFill>
@@ -1500,7 +1500,7 @@
                 </a:solidFill>
               </a:rPr>
               <a:pPr/>
-              <a:t>4/3/22</a:t>
+              <a:t>5/15/22</a:t>
             </a:fld>
             <a:endParaRPr lang="en-US">
               <a:solidFill>
@@ -1953,7 +1953,7 @@
                 </a:solidFill>
               </a:rPr>
               <a:pPr/>
-              <a:t>4/3/22</a:t>
+              <a:t>5/15/22</a:t>
             </a:fld>
             <a:endParaRPr lang="en-US">
               <a:solidFill>
@@ -2230,7 +2230,7 @@
                 </a:solidFill>
               </a:rPr>
               <a:pPr/>
-              <a:t>4/3/22</a:t>
+              <a:t>5/15/22</a:t>
             </a:fld>
             <a:endParaRPr lang="en-US">
               <a:solidFill>
@@ -2547,7 +2547,7 @@
                 </a:solidFill>
               </a:rPr>
               <a:pPr/>
-              <a:t>4/3/22</a:t>
+              <a:t>5/15/22</a:t>
             </a:fld>
             <a:endParaRPr lang="en-US">
               <a:solidFill>
@@ -2998,7 +2998,7 @@
                 </a:solidFill>
               </a:rPr>
               <a:pPr/>
-              <a:t>4/3/22</a:t>
+              <a:t>5/15/22</a:t>
             </a:fld>
             <a:endParaRPr lang="en-US">
               <a:solidFill>
@@ -3147,7 +3147,7 @@
                 </a:solidFill>
               </a:rPr>
               <a:pPr/>
-              <a:t>4/3/22</a:t>
+              <a:t>5/15/22</a:t>
             </a:fld>
             <a:endParaRPr lang="en-US">
               <a:solidFill>
@@ -3274,7 +3274,7 @@
                 </a:solidFill>
               </a:rPr>
               <a:pPr/>
-              <a:t>4/3/22</a:t>
+              <a:t>5/15/22</a:t>
             </a:fld>
             <a:endParaRPr lang="en-US">
               <a:solidFill>
@@ -3581,7 +3581,7 @@
                 </a:solidFill>
               </a:rPr>
               <a:pPr/>
-              <a:t>4/3/22</a:t>
+              <a:t>5/15/22</a:t>
             </a:fld>
             <a:endParaRPr lang="en-US">
               <a:solidFill>
@@ -3865,7 +3865,7 @@
                 </a:solidFill>
               </a:rPr>
               <a:pPr/>
-              <a:t>4/3/22</a:t>
+              <a:t>5/15/22</a:t>
             </a:fld>
             <a:endParaRPr lang="en-US">
               <a:solidFill>
@@ -4108,7 +4108,7 @@
                 </a:solidFill>
               </a:rPr>
               <a:pPr/>
-              <a:t>4/3/22</a:t>
+              <a:t>5/15/22</a:t>
             </a:fld>
             <a:endParaRPr lang="en-US">
               <a:solidFill>
@@ -15880,12 +15880,12 @@
             <a:graphicData uri="http://schemas.openxmlformats.org/presentationml/2006/ole">
               <mc:AlternateContent xmlns:mc="http://schemas.openxmlformats.org/markup-compatibility/2006">
                 <mc:Choice xmlns:v="urn:schemas-microsoft-com:vml" Requires="v">
-                  <p:oleObj spid="_x0000_s1065" name="Worksheet" r:id="rId3" imgW="2598840" imgH="2452680" progId="Excel.Sheet.8">
+                  <p:oleObj name="Worksheet" r:id="rId2" imgW="2598840" imgH="2452680" progId="Excel.Sheet.8">
                     <p:embed/>
                   </p:oleObj>
                 </mc:Choice>
                 <mc:Fallback>
-                  <p:oleObj name="Worksheet" r:id="rId3" imgW="2598840" imgH="2452680" progId="Excel.Sheet.8">
+                  <p:oleObj name="Worksheet" r:id="rId2" imgW="2598840" imgH="2452680" progId="Excel.Sheet.8">
                     <p:embed/>
                     <p:pic>
                       <p:nvPicPr>
@@ -15896,7 +15896,7 @@
                         <p:nvPr/>
                       </p:nvPicPr>
                       <p:blipFill>
-                        <a:blip r:embed="rId4">
+                        <a:blip r:embed="rId3">
                           <a:extLst>
                             <a:ext uri="{28A0092B-C50C-407E-A947-70E740481C1C}">
                               <a14:useLocalDpi xmlns:a14="http://schemas.microsoft.com/office/drawing/2010/main" val="0"/>
@@ -16101,12 +16101,12 @@
             <a:graphicData uri="http://schemas.openxmlformats.org/presentationml/2006/ole">
               <mc:AlternateContent xmlns:mc="http://schemas.openxmlformats.org/markup-compatibility/2006">
                 <mc:Choice xmlns:v="urn:schemas-microsoft-com:vml" Requires="v">
-                  <p:oleObj spid="_x0000_s1066" name="Worksheet" r:id="rId5" imgW="2598840" imgH="2452680" progId="Excel.Sheet.8">
+                  <p:oleObj name="Worksheet" r:id="rId4" imgW="2598840" imgH="2452680" progId="Excel.Sheet.8">
                     <p:embed/>
                   </p:oleObj>
                 </mc:Choice>
                 <mc:Fallback>
-                  <p:oleObj name="Worksheet" r:id="rId5" imgW="2598840" imgH="2452680" progId="Excel.Sheet.8">
+                  <p:oleObj name="Worksheet" r:id="rId4" imgW="2598840" imgH="2452680" progId="Excel.Sheet.8">
                     <p:embed/>
                     <p:pic>
                       <p:nvPicPr>
@@ -16117,7 +16117,7 @@
                         <p:nvPr/>
                       </p:nvPicPr>
                       <p:blipFill>
-                        <a:blip r:embed="rId4">
+                        <a:blip r:embed="rId3">
                           <a:extLst>
                             <a:ext uri="{28A0092B-C50C-407E-A947-70E740481C1C}">
                               <a14:useLocalDpi xmlns:a14="http://schemas.microsoft.com/office/drawing/2010/main" val="0"/>
@@ -16359,12 +16359,12 @@
             <a:graphicData uri="http://schemas.openxmlformats.org/presentationml/2006/ole">
               <mc:AlternateContent xmlns:mc="http://schemas.openxmlformats.org/markup-compatibility/2006">
                 <mc:Choice xmlns:v="urn:schemas-microsoft-com:vml" Requires="v">
-                  <p:oleObj spid="_x0000_s1067" name="Worksheet" r:id="rId6" imgW="2598840" imgH="2452680" progId="Excel.Sheet.8">
+                  <p:oleObj name="Worksheet" r:id="rId5" imgW="2598840" imgH="2452680" progId="Excel.Sheet.8">
                     <p:embed/>
                   </p:oleObj>
                 </mc:Choice>
                 <mc:Fallback>
-                  <p:oleObj name="Worksheet" r:id="rId6" imgW="2598840" imgH="2452680" progId="Excel.Sheet.8">
+                  <p:oleObj name="Worksheet" r:id="rId5" imgW="2598840" imgH="2452680" progId="Excel.Sheet.8">
                     <p:embed/>
                     <p:pic>
                       <p:nvPicPr>
@@ -16375,7 +16375,7 @@
                         <p:nvPr/>
                       </p:nvPicPr>
                       <p:blipFill>
-                        <a:blip r:embed="rId4">
+                        <a:blip r:embed="rId3">
                           <a:extLst>
                             <a:ext uri="{28A0092B-C50C-407E-A947-70E740481C1C}">
                               <a14:useLocalDpi xmlns:a14="http://schemas.microsoft.com/office/drawing/2010/main" val="0"/>
@@ -16747,12 +16747,12 @@
             <a:graphicData uri="http://schemas.openxmlformats.org/presentationml/2006/ole">
               <mc:AlternateContent xmlns:mc="http://schemas.openxmlformats.org/markup-compatibility/2006">
                 <mc:Choice xmlns:v="urn:schemas-microsoft-com:vml" Requires="v">
-                  <p:oleObj spid="_x0000_s2089" name="Worksheet" r:id="rId3" imgW="2598840" imgH="2452680" progId="Excel.Sheet.8">
+                  <p:oleObj name="Worksheet" r:id="rId2" imgW="2598840" imgH="2452680" progId="Excel.Sheet.8">
                     <p:embed/>
                   </p:oleObj>
                 </mc:Choice>
                 <mc:Fallback>
-                  <p:oleObj name="Worksheet" r:id="rId3" imgW="2598840" imgH="2452680" progId="Excel.Sheet.8">
+                  <p:oleObj name="Worksheet" r:id="rId2" imgW="2598840" imgH="2452680" progId="Excel.Sheet.8">
                     <p:embed/>
                     <p:pic>
                       <p:nvPicPr>
@@ -16763,7 +16763,7 @@
                         <p:nvPr/>
                       </p:nvPicPr>
                       <p:blipFill>
-                        <a:blip r:embed="rId4">
+                        <a:blip r:embed="rId3">
                           <a:extLst>
                             <a:ext uri="{28A0092B-C50C-407E-A947-70E740481C1C}">
                               <a14:useLocalDpi xmlns:a14="http://schemas.microsoft.com/office/drawing/2010/main" val="0"/>
@@ -16931,12 +16931,12 @@
             <a:graphicData uri="http://schemas.openxmlformats.org/presentationml/2006/ole">
               <mc:AlternateContent xmlns:mc="http://schemas.openxmlformats.org/markup-compatibility/2006">
                 <mc:Choice xmlns:v="urn:schemas-microsoft-com:vml" Requires="v">
-                  <p:oleObj spid="_x0000_s2090" name="Worksheet" r:id="rId5" imgW="2598840" imgH="2452680" progId="Excel.Sheet.8">
+                  <p:oleObj name="Worksheet" r:id="rId4" imgW="2598840" imgH="2452680" progId="Excel.Sheet.8">
                     <p:embed/>
                   </p:oleObj>
                 </mc:Choice>
                 <mc:Fallback>
-                  <p:oleObj name="Worksheet" r:id="rId5" imgW="2598840" imgH="2452680" progId="Excel.Sheet.8">
+                  <p:oleObj name="Worksheet" r:id="rId4" imgW="2598840" imgH="2452680" progId="Excel.Sheet.8">
                     <p:embed/>
                     <p:pic>
                       <p:nvPicPr>
@@ -16947,7 +16947,7 @@
                         <p:nvPr/>
                       </p:nvPicPr>
                       <p:blipFill>
-                        <a:blip r:embed="rId4">
+                        <a:blip r:embed="rId3">
                           <a:extLst>
                             <a:ext uri="{28A0092B-C50C-407E-A947-70E740481C1C}">
                               <a14:useLocalDpi xmlns:a14="http://schemas.microsoft.com/office/drawing/2010/main" val="0"/>
@@ -17189,12 +17189,12 @@
             <a:graphicData uri="http://schemas.openxmlformats.org/presentationml/2006/ole">
               <mc:AlternateContent xmlns:mc="http://schemas.openxmlformats.org/markup-compatibility/2006">
                 <mc:Choice xmlns:v="urn:schemas-microsoft-com:vml" Requires="v">
-                  <p:oleObj spid="_x0000_s2091" name="Worksheet" r:id="rId6" imgW="2598840" imgH="2452680" progId="Excel.Sheet.8">
+                  <p:oleObj name="Worksheet" r:id="rId5" imgW="2598840" imgH="2452680" progId="Excel.Sheet.8">
                     <p:embed/>
                   </p:oleObj>
                 </mc:Choice>
                 <mc:Fallback>
-                  <p:oleObj name="Worksheet" r:id="rId6" imgW="2598840" imgH="2452680" progId="Excel.Sheet.8">
+                  <p:oleObj name="Worksheet" r:id="rId5" imgW="2598840" imgH="2452680" progId="Excel.Sheet.8">
                     <p:embed/>
                     <p:pic>
                       <p:nvPicPr>
@@ -17205,7 +17205,7 @@
                         <p:nvPr/>
                       </p:nvPicPr>
                       <p:blipFill>
-                        <a:blip r:embed="rId4">
+                        <a:blip r:embed="rId3">
                           <a:extLst>
                             <a:ext uri="{28A0092B-C50C-407E-A947-70E740481C1C}">
                               <a14:useLocalDpi xmlns:a14="http://schemas.microsoft.com/office/drawing/2010/main" val="0"/>
@@ -17794,25 +17794,6 @@
           </p:cNvSpPr>
           <p:nvPr>
             <p:ph type="title"/>
-          </p:nvPr>
-        </p:nvSpPr>
-        <p:spPr/>
-        <p:txBody>
-          <a:bodyPr/>
-          <a:lstStyle/>
-          <a:p>
-            <a:endParaRPr lang="en-IN"/>
-          </a:p>
-        </p:txBody>
-      </p:sp>
-      <p:sp>
-        <p:nvSpPr>
-          <p:cNvPr id="3" name="Content Placeholder 2"/>
-          <p:cNvSpPr>
-            <a:spLocks noGrp="1"/>
-          </p:cNvSpPr>
-          <p:nvPr>
-            <p:ph idx="1"/>
           </p:nvPr>
         </p:nvSpPr>
         <p:spPr/>

--- a/CSI3010 Data Warehousing Data Mining/reference materials/module-5 cluster analysis and outlier analysis/18_Heirarchical Clustering.pptx
+++ b/CSI3010 Data Warehousing Data Mining/reference materials/module-5 cluster analysis and outlier analysis/18_Heirarchical Clustering.pptx
@@ -154,6 +154,312 @@
     </p:ext>
   </p:extLst>
 </p:presentation>
+</file>
+
+<file path=ppt/ink/ink1.xml><?xml version="1.0" encoding="utf-8"?>
+<inkml:ink xmlns:inkml="http://www.w3.org/2003/InkML">
+  <inkml:definitions>
+    <inkml:context xml:id="ctx0">
+      <inkml:inkSource xml:id="inkSrc0">
+        <inkml:traceFormat>
+          <inkml:channel name="X" type="integer" min="-2.14748E9" max="2.14748E9" units="cm"/>
+          <inkml:channel name="Y" type="integer" min="-2.14748E9" max="2.14748E9" units="cm"/>
+          <inkml:channel name="F" type="integer" max="32767" units="dev"/>
+        </inkml:traceFormat>
+        <inkml:channelProperties>
+          <inkml:channelProperty channel="X" name="resolution" value="1000" units="1/cm"/>
+          <inkml:channelProperty channel="Y" name="resolution" value="1000" units="1/cm"/>
+          <inkml:channelProperty channel="F" name="resolution" value="0" units="1/dev"/>
+        </inkml:channelProperties>
+      </inkml:inkSource>
+      <inkml:timestamp xml:id="ts0" timeString="2022-05-15T12:57:32.941"/>
+    </inkml:context>
+    <inkml:brush xml:id="br0">
+      <inkml:brushProperty name="width" value="0.1" units="cm"/>
+      <inkml:brushProperty name="height" value="0.1" units="cm"/>
+      <inkml:brushProperty name="color" value="#E71224"/>
+    </inkml:brush>
+  </inkml:definitions>
+  <inkml:trace contextRef="#ctx0" brushRef="#br0">0 410 24575,'0'19'0,"0"5"0,3 23 0,6 26 0,5 19-271,-5-42 0,0 0 271,8 46 0,-5-18 0,-4-8 0,-5-7 0,-3-3 134,0-21-134,0 2 0,0-21 0,0 2 0,0-1 0,0-6 408,0 0-408,0 0 0,0 0 0,0 4 0,0-2 0,0 2 0,0-2 0,0-1 0,0-2 0,0-1 0,0-2 0,0-1 0,0-1 0,0 1 0,0 0 0,0-1 0,1 0 0,2-2 0,-1-1 0,2-1 0,-1-1 0,0 1 0,-1-1 0,-2 1 0,0 0 0,0-1 0,0 1 0,0-1 0,0 0 0,2 1 0,1-1 0,1-1 0,3-1 0,0-2 0,2 0 0,6 3 0,11 0 0,7 2 0,9 1 0,8 0 0,6 4 0,12-3 0,7 1 0,6-2 0,10-2-916,6-1 916,-45-1 0,0-2 0,2 0 0,-1 0 0,3 0 0,0 0 0,1 0 0,1 0 0,2 0 0,1 0 0,1 0 0,0 0 0,-4 0 0,-1 0 0,0 0 0,-1 0-237,-5 0 1,-1 0 236,43 0 0,-4 0 0,-5 0 0,-3 0 0,3 0 0,4 0 0,3 0 0,7 0 0,-2 0 0,4 0 0,-4 0 0,-5 0 0,-39 0 0,-1 0 0,-2 0 0,3 0-604,26 0 0,-1 0 604,21 0 0,-26 0 0,-1 0 0,15 0-240,-32 0 1,1 0 239,41 3 0,-41 0 0,0 2 0,-3 0 0,-2 1 0,46 9 0,-43-8 0,-2 1 0,35 3 0,7 0 0,1-4 0,-3-3 0,-1-1 0,5-3 0,-45 0 0,1 0 0,0 0 0,0 0 0,49 0 0,-9 0 0,0 0 0,7 0 0,-48 0 0,1 0 0,0 0 0,1 0 0,-1 0 0,-1 0 0,48 0 0,0 0 0,-2 0 0,2 0 0,-3 0 0,-5-2 0,-5-2 0,-8 0 815,0 1-815,-3 2 0,-4 1 0,2 0 0,2 0 451,2 0-451,-7 0 0,-5 0 1262,-2 0-1262,6 0 0,-19 0 0,15 0 548,-20 0-548,15 0 0,4 0 0,1 0 0,4 0 0,0 0 0,0 0 0,-1 0 0,1 0 0,3 0 0,-1 0 0,-1 0 0,-1 0 0,-5 0 0,-1-2 0,-2-1 0,1-2 0,2-1 0,-1-1 0,-5 0 0,-10 2 0,-3-1 0,-5 2 0,-8 1 0,-8 0 0,-8 3 0,-6 0 0,1 0 0,-2 0 0,-1 0 0,-2-2 0,2-5 0,-4-2 0,1-8 0,-1 1 0,-1-9 0,1 1 0,0-8 0,-3-10 0,0-11 0,0-16 0,0-8 0,0-11 0,0-10 0,0 47 0,0-1-859,0-2 0,0 0 859,0 0 0,0 1 0,0 1 0,0 1 0,-2-47 0,-2 14 0,-4 13 0,-4 12 0,1 12 0,2 11 0,1 8 1718,3 10-1718,0 4 0,0 3 0,0 3 0,1 0 0,2 3 0,-1 0 0,1 0 0,-1 0 0,-1 1 0,1-1 0,1-2 0,-3 2 0,1-2 0,-2 0 0,-1 2 0,0-2 0,-3 2 0,-5-3 0,-2 5 0,-9-1 0,-1 1 0,-11 0 0,-13-1 0,-10 2 0,-13 2 0,-14 0-673,-6 0 673,40 0 0,-2 0 0,-8 0 0,-2 0 0,1 0 0,0 0 0,0 0 0,1 1 0,1 1 0,1 1 0,5 1 0,1 1 0,-1-1 0,-1 1 0,0 1 0,1-2 0,0 0 0,2-1 0,3-1 0,1-1 0,-3 0 0,1 0 0,1-1 0,1 0 0,-44 0 0,-2 0 0,9 0 0,2 0 0,-5 0 0,1 0 0,4 0 0,-6 0 0,2 0 0,-7 0 0,47 0 0,-1 0 0,-49 0 0,46 0 0,0 0 0,-43 0 0,44-1 0,0-2 0,-1 1 0,0 0 0,3-2 0,-1 0 0,-8-1 0,-1 2 0,7 1 0,0 0 0,0-2 0,-1 1 0,-16 1 0,1 0 0,-16-3 0,21 4 0,-1-1 0,-24-2 0,31 2 0,-3-1 0,-2 1 0,0 0 0,5 0 0,0 0 0,4 0 0,1 1 0,2-2 0,1 1 0,1 0 0,0 0 0,0-2 0,0 1-249,-47-1 249,12-3 0,11-1 0,6 1 0,12-2 0,1 2 0,2 1 0,-10 1 0,-12-1 0,-11-1 0,-9 1 0,-3 3-494,5 1 494,2 2 0,5 0 0,-3 0 0,-4 0 0,0 0 242,3 0-242,7 0 0,11 0 0,0 0 0,2 0 0,3 0 0,-2 0 0,9 0 1174,11 0-1174,5 0 0,0 0 0,18 0 0,-13 0 0,26 0 0,-12 2 0,8 1 0,-4 0 0,0-1 0,0 1 0,0-1 0,0 1 0,0 2 0,-4-2 0,-2 2 0,-3 0 0,-1-1 0,0 1 0,-2-1 0,-5 3 0,-5 3 0,-8 1 0,-6 2 0,-5 0 0,-3 1 0,0 0 0,-2 1 0,-3 3 0,3 1 0,4 3 0,8-1 0,10-1 0,7-1 0,7-3 0,7-3 0,8-2 0,5-2 0,6-2 0,1-2 0,2 0 0,2-1 0,0 1 0,0-3 0,0 1 0</inkml:trace>
+</inkml:ink>
+</file>
+
+<file path=ppt/ink/ink10.xml><?xml version="1.0" encoding="utf-8"?>
+<inkml:ink xmlns:inkml="http://www.w3.org/2003/InkML">
+  <inkml:definitions>
+    <inkml:context xml:id="ctx0">
+      <inkml:inkSource xml:id="inkSrc0">
+        <inkml:traceFormat>
+          <inkml:channel name="X" type="integer" min="-2.14748E9" max="2.14748E9" units="cm"/>
+          <inkml:channel name="Y" type="integer" min="-2.14748E9" max="2.14748E9" units="cm"/>
+          <inkml:channel name="F" type="integer" max="32767" units="dev"/>
+        </inkml:traceFormat>
+        <inkml:channelProperties>
+          <inkml:channelProperty channel="X" name="resolution" value="1000" units="1/cm"/>
+          <inkml:channelProperty channel="Y" name="resolution" value="1000" units="1/cm"/>
+          <inkml:channelProperty channel="F" name="resolution" value="0" units="1/dev"/>
+        </inkml:channelProperties>
+      </inkml:inkSource>
+      <inkml:timestamp xml:id="ts0" timeString="2022-05-15T12:58:26.047"/>
+    </inkml:context>
+    <inkml:brush xml:id="br0">
+      <inkml:brushProperty name="width" value="0.1" units="cm"/>
+      <inkml:brushProperty name="height" value="0.1" units="cm"/>
+      <inkml:brushProperty name="color" value="#AB008B"/>
+    </inkml:brush>
+  </inkml:definitions>
+  <inkml:trace contextRef="#ctx0" brushRef="#br0">1 1 24575,'0'35'0,"0"9"0,6 24 0,6 10 0,2-7 0,7 6 0,-3-7 0,0-2 0,0-1 0,-2-17 0,0-6 0,-1-13 0,-4-5 0,-3-7 0,-3-4 0,-2-4 0,0-3 0,-1 0 0,-1-2 0,-1-1 0,0-1 0,0 1 0,0 1 0,4-1 0,4-2 0,11-6 0,13-6 0,9-5 0,11-4 0,6-4 0,8-2 0,5-2 0,2-2 0,0 2 0,-2 1 0,-4 1 0,-6 3 0,-11 1 0,-8 3 0,-9 7 0,-7 1 0,-7 3 0,-5 2 0,-3 2 0,-3 1 0,-5 1 0,-1 0 0</inkml:trace>
+</inkml:ink>
+</file>
+
+<file path=ppt/ink/ink11.xml><?xml version="1.0" encoding="utf-8"?>
+<inkml:ink xmlns:inkml="http://www.w3.org/2003/InkML">
+  <inkml:definitions>
+    <inkml:context xml:id="ctx0">
+      <inkml:inkSource xml:id="inkSrc0">
+        <inkml:traceFormat>
+          <inkml:channel name="X" type="integer" min="-2.14748E9" max="2.14748E9" units="cm"/>
+          <inkml:channel name="Y" type="integer" min="-2.14748E9" max="2.14748E9" units="cm"/>
+          <inkml:channel name="F" type="integer" max="32767" units="dev"/>
+        </inkml:traceFormat>
+        <inkml:channelProperties>
+          <inkml:channelProperty channel="X" name="resolution" value="1000" units="1/cm"/>
+          <inkml:channelProperty channel="Y" name="resolution" value="1000" units="1/cm"/>
+          <inkml:channelProperty channel="F" name="resolution" value="0" units="1/dev"/>
+        </inkml:channelProperties>
+      </inkml:inkSource>
+      <inkml:timestamp xml:id="ts0" timeString="2022-05-15T12:58:39.298"/>
+    </inkml:context>
+    <inkml:brush xml:id="br0">
+      <inkml:brushProperty name="width" value="0.1" units="cm"/>
+      <inkml:brushProperty name="height" value="0.1" units="cm"/>
+    </inkml:brush>
+  </inkml:definitions>
+  <inkml:trace contextRef="#ctx0" brushRef="#br0">1214 0 24575,'-31'0'0,"-9"2"0,-11 5 0,-3 7 0,1 5 0,-12 11 0,-9 4 0,-8 4 0,3 2 0,14-2 0,8 1 0,4 4 0,3 2 0,6-3 0,3-3 0,5-3 0,5-2 0,4 2 0,-2 7 0,9-14 0,-5 15 0,10-13 0,-5 12 0,1 3 0,-3 4 0,2 5 0,4 4 0,-4 4 0,3 5 0,2 8 0,0 6 0,4 6 0,3-4 0,2 0 0,3-2 0,3-2 0,0 5 0,0-2 0,2-1 0,8 4 0,9-1 0,10 1 0,6-1 0,2-9 0,-2 1 0,2 0 0,-1 3 0,-5-1 0,-3-3 0,-3-9 0,-4-3 0,-1-6 0,-4-8 0,-3-7 0,-2-6 0,1-1 0,0-4 0,3 15 0,-3-20 0,5 22 0,-2-15 0,7 17 0,-2 4 0,-1 4 0,0 0 0,-2 0 0,2 0 0,0-4 0,-3-1 0,1-3 0,-1-2 0,2-3 0,2 1 0,1-1 0,1 0 0,4 2 0,0 0 0,2 2 0,0 5 0,1 1 0,0 1 0,3-1 0,1-1 0,4 1 0,1 1 0,1-1 0,1-1 0,-1-3 0,2 2 0,0 2 0,1-3 0,-2-2 0,0-4 0,-3-4 0,-2-1 0,-4-8 0,-4-2 0,-2-3 0,-3-4 0,1 5 0,-6-12 0,8 12 0,-15-20 0,11 12 0,-8-9 0,4 5 0,1 1 0,0-1 0,-2-3 0,1-2 0,3 3 0,-1-2 0,1 0 0,-1-1 0,-4-3 0,-2-1 0,2-1 0,-3-2 0,1-2 0,-2-2 0,-1-1 0,-1-1 0,1 0 0,-1 0 0,-2 0 0,-2 0 0,-1 2 0,-2 0 0,-2 1 0,0-1 0</inkml:trace>
+</inkml:ink>
+</file>
+
+<file path=ppt/ink/ink2.xml><?xml version="1.0" encoding="utf-8"?>
+<inkml:ink xmlns:inkml="http://www.w3.org/2003/InkML">
+  <inkml:definitions>
+    <inkml:context xml:id="ctx0">
+      <inkml:inkSource xml:id="inkSrc0">
+        <inkml:traceFormat>
+          <inkml:channel name="X" type="integer" min="-2.14748E9" max="2.14748E9" units="cm"/>
+          <inkml:channel name="Y" type="integer" min="-2.14748E9" max="2.14748E9" units="cm"/>
+          <inkml:channel name="F" type="integer" max="32767" units="dev"/>
+        </inkml:traceFormat>
+        <inkml:channelProperties>
+          <inkml:channelProperty channel="X" name="resolution" value="1000" units="1/cm"/>
+          <inkml:channelProperty channel="Y" name="resolution" value="1000" units="1/cm"/>
+          <inkml:channelProperty channel="F" name="resolution" value="0" units="1/dev"/>
+        </inkml:channelProperties>
+      </inkml:inkSource>
+      <inkml:timestamp xml:id="ts0" timeString="2022-05-15T12:57:36.006"/>
+    </inkml:context>
+    <inkml:brush xml:id="br0">
+      <inkml:brushProperty name="width" value="0.1" units="cm"/>
+      <inkml:brushProperty name="height" value="0.1" units="cm"/>
+      <inkml:brushProperty name="color" value="#004F8B"/>
+    </inkml:brush>
+  </inkml:definitions>
+  <inkml:trace contextRef="#ctx0" brushRef="#br0">59 0 24575,'22'0'0,"9"0"0,3 0 0,12 0 0,11 3 0,9 7 0,-6 6 0,-2 3 0,7 6 0,-16-2 0,-4 1 0,-13-2 0,7 5 0,-5-4 0,-2 0 0,-6 2 0,-8-3 0,-5 0 0,-2 1 0,0-1 0,-2 4 0,-1 2 0,-3-1 0,-3 1 0,0 1 0,-2 2 0,0-1 0,0 4 0,0 2 0,-2 4 0,-4 5 0,-10 3 0,-8 3 0,-7 4 0,-5 4 0,-5 9 0,-6 10 0,-4 4 0,-4 0-536,5-9 536,0-8 0,0 0 0,0-1 0,-4 4 0,3-5 0,5-7 0,5-6 0,9-11 0,0 5 0,15-23 0,-3 4 0,12-18 0,-1 3 0,1-1 0,3-3 0,3-2 0</inkml:trace>
+</inkml:ink>
+</file>
+
+<file path=ppt/ink/ink3.xml><?xml version="1.0" encoding="utf-8"?>
+<inkml:ink xmlns:inkml="http://www.w3.org/2003/InkML">
+  <inkml:definitions>
+    <inkml:context xml:id="ctx0">
+      <inkml:inkSource xml:id="inkSrc0">
+        <inkml:traceFormat>
+          <inkml:channel name="X" type="integer" min="-2.14748E9" max="2.14748E9" units="cm"/>
+          <inkml:channel name="Y" type="integer" min="-2.14748E9" max="2.14748E9" units="cm"/>
+          <inkml:channel name="F" type="integer" max="32767" units="dev"/>
+        </inkml:traceFormat>
+        <inkml:channelProperties>
+          <inkml:channelProperty channel="X" name="resolution" value="1000" units="1/cm"/>
+          <inkml:channelProperty channel="Y" name="resolution" value="1000" units="1/cm"/>
+          <inkml:channelProperty channel="F" name="resolution" value="0" units="1/dev"/>
+        </inkml:channelProperties>
+      </inkml:inkSource>
+      <inkml:timestamp xml:id="ts0" timeString="2022-05-15T12:57:37.421"/>
+    </inkml:context>
+    <inkml:brush xml:id="br0">
+      <inkml:brushProperty name="width" value="0.1" units="cm"/>
+      <inkml:brushProperty name="height" value="0.1" units="cm"/>
+      <inkml:brushProperty name="color" value="#004F8B"/>
+    </inkml:brush>
+  </inkml:definitions>
+  <inkml:trace contextRef="#ctx0" brushRef="#br0">9 1 24575,'0'49'0,"0"-16"0,0 33 0,0-39 0,0 24 0,0-21 0,0 9 0,0 0 0,0-1 0,0-6 0,0-4 0,0-1 0,0-4 0,0-3 0,0-4 0,0-6 0,0-1 0,0 1 0,0-1 0,-2-1 0,0-3 0,-1 1 0,1-2 0,4-1 0,5-1 0,5-2 0,17 0 0,16 0 0,-9 0 0,12 0 0,-24 0 0,6 0 0,-2 0 0,-6 0 0,-3 0 0,-7 0 0,-3 0 0,3 0 0,3 0 0,1 0 0,1 0 0,-1 0 0,-2 0 0,-1 0 0,-2 0 0,-1 0 0,-2 0 0,-3 0 0,-2 0 0</inkml:trace>
+</inkml:ink>
+</file>
+
+<file path=ppt/ink/ink4.xml><?xml version="1.0" encoding="utf-8"?>
+<inkml:ink xmlns:inkml="http://www.w3.org/2003/InkML">
+  <inkml:definitions>
+    <inkml:context xml:id="ctx0">
+      <inkml:inkSource xml:id="inkSrc0">
+        <inkml:traceFormat>
+          <inkml:channel name="X" type="integer" min="-2.14748E9" max="2.14748E9" units="cm"/>
+          <inkml:channel name="Y" type="integer" min="-2.14748E9" max="2.14748E9" units="cm"/>
+          <inkml:channel name="F" type="integer" max="32767" units="dev"/>
+        </inkml:traceFormat>
+        <inkml:channelProperties>
+          <inkml:channelProperty channel="X" name="resolution" value="1000" units="1/cm"/>
+          <inkml:channelProperty channel="Y" name="resolution" value="1000" units="1/cm"/>
+          <inkml:channelProperty channel="F" name="resolution" value="0" units="1/dev"/>
+        </inkml:channelProperties>
+      </inkml:inkSource>
+      <inkml:timestamp xml:id="ts0" timeString="2022-05-15T12:57:46.940"/>
+    </inkml:context>
+    <inkml:brush xml:id="br0">
+      <inkml:brushProperty name="width" value="0.1" units="cm"/>
+      <inkml:brushProperty name="height" value="0.1" units="cm"/>
+      <inkml:brushProperty name="color" value="#FFC114"/>
+    </inkml:brush>
+  </inkml:definitions>
+  <inkml:trace contextRef="#ctx0" brushRef="#br0">259 251 24575,'26'-8'0,"0"-3"0,13-6 0,-9-2 0,20-6 0,-5 3 0,22-11 0,-15 12 0,14-8 0,-25 17 0,15-3 0,0 3 0,8 2 0,8 0 0,-3 6 0,7 2 0,7 2 0,0 0 0,2 0 0,-9 0 0,-4 0 0,0 3 0,-2 6 0,-4 5 0,-11 4 0,-8 1 0,-8-1 0,-8 0 0,-6-2 0,-4 1 0,-4-2 0,-4 1 0,-2 0 0,-1-1 0,1 6 0,0 1 0,0 5 0,-3 8 0,-2 1 0,-3 19 0,-2-13 0,-1 19 0,0-13 0,0 11 0,0 0 0,0 0 0,0 0 0,-6 4 0,-5 1 0,-10 8 0,-7-2 0,-3 3 0,-5 0 0,2-2 0,-2 1-6784,1-8 6784,4-10 0,-1-1 0,3-6 0,4-6 0,1-2 0,4-9 0,0-1 6784,-1-1-6784,-2 1 0,0 1 0,0 2 0,-3 3 0,-5 4 0,-4 4 0,-6 3 0,-3 1 0,-2 0 0,-1 0 0,-1 0 0,1 3 0,-2-1 0,1 3 0,-1-4 0,0 1 0,5-2 0,4-4 0,-3 6 0,19-22 0,-12 12 0,14-18 0,-3 5 0,0-4 0,4-4 0,0-2 0,-1-3 0,1 2 0,-1-1 0,-1 1 0,-2 2 0,-1-2 0,1 1 0,-1 1 0,-1-1 0,1 0 0,3-2 0,2-1 0,2 1 0,2-1 0,0 0 0,0-2 0,3 1 0,-1 1 0,1 0 0,0 2 0,-1-1 0,2-1 0,-1 2 0,1-1 0,0-1 0,0-1 0,0-1 0,1 1 0,1 1 0,1-1 0,0 3 0,0-2 0,-2 2 0,1-2 0,-4 2 0,5-5 0,-1 2 0,4-2 0,0-1 0,2 1 0,-2-3 0,4-2 0,1-3 0</inkml:trace>
+</inkml:ink>
+</file>
+
+<file path=ppt/ink/ink5.xml><?xml version="1.0" encoding="utf-8"?>
+<inkml:ink xmlns:inkml="http://www.w3.org/2003/InkML">
+  <inkml:definitions>
+    <inkml:context xml:id="ctx0">
+      <inkml:inkSource xml:id="inkSrc0">
+        <inkml:traceFormat>
+          <inkml:channel name="X" type="integer" min="-2.14748E9" max="2.14748E9" units="cm"/>
+          <inkml:channel name="Y" type="integer" min="-2.14748E9" max="2.14748E9" units="cm"/>
+          <inkml:channel name="F" type="integer" max="32767" units="dev"/>
+        </inkml:traceFormat>
+        <inkml:channelProperties>
+          <inkml:channelProperty channel="X" name="resolution" value="1000" units="1/cm"/>
+          <inkml:channelProperty channel="Y" name="resolution" value="1000" units="1/cm"/>
+          <inkml:channelProperty channel="F" name="resolution" value="0" units="1/dev"/>
+        </inkml:channelProperties>
+      </inkml:inkSource>
+      <inkml:timestamp xml:id="ts0" timeString="2022-05-15T12:57:48.572"/>
+    </inkml:context>
+    <inkml:brush xml:id="br0">
+      <inkml:brushProperty name="width" value="0.1" units="cm"/>
+      <inkml:brushProperty name="height" value="0.1" units="cm"/>
+      <inkml:brushProperty name="color" value="#FFC114"/>
+    </inkml:brush>
+  </inkml:definitions>
+  <inkml:trace contextRef="#ctx0" brushRef="#br0">0 0 24575,'0'15'0,"0"3"0,0 10 0,0 5 0,0 7 0,0-1 0,0-1 0,0 0 0,0-2 0,0-3 0,0-8 0,0-7 0,0-4 0,0-5 0,0-2 0,0 0 0,0-2 0,2 0 0,1-3 0,3-1 0,4-1 0,12 0 0,13 0 0,16-2 0,17-1 0,7-1 0,7-2 0,4-2 0,-4 0 0,-2-2 0,-7 2 0,-12 3 0,-14 2 0,-14 2 0,-12 1 0,-7 0 0,-4 0 0,-2 0 0,-3-2 0,-3 2 0,-2-2 0</inkml:trace>
+</inkml:ink>
+</file>
+
+<file path=ppt/ink/ink6.xml><?xml version="1.0" encoding="utf-8"?>
+<inkml:ink xmlns:inkml="http://www.w3.org/2003/InkML">
+  <inkml:definitions>
+    <inkml:context xml:id="ctx0">
+      <inkml:inkSource xml:id="inkSrc0">
+        <inkml:traceFormat>
+          <inkml:channel name="X" type="integer" min="-2.14748E9" max="2.14748E9" units="cm"/>
+          <inkml:channel name="Y" type="integer" min="-2.14748E9" max="2.14748E9" units="cm"/>
+          <inkml:channel name="F" type="integer" max="32767" units="dev"/>
+        </inkml:traceFormat>
+        <inkml:channelProperties>
+          <inkml:channelProperty channel="X" name="resolution" value="1000" units="1/cm"/>
+          <inkml:channelProperty channel="Y" name="resolution" value="1000" units="1/cm"/>
+          <inkml:channelProperty channel="F" name="resolution" value="0" units="1/dev"/>
+        </inkml:channelProperties>
+      </inkml:inkSource>
+      <inkml:timestamp xml:id="ts0" timeString="2022-05-15T12:57:52.023"/>
+    </inkml:context>
+    <inkml:brush xml:id="br0">
+      <inkml:brushProperty name="width" value="0.1" units="cm"/>
+      <inkml:brushProperty name="height" value="0.1" units="cm"/>
+      <inkml:brushProperty name="color" value="#008C3A"/>
+    </inkml:brush>
+  </inkml:definitions>
+  <inkml:trace contextRef="#ctx0" brushRef="#br0">501 0 24575,'-2'24'0,"-4"8"0,-6 9 0,-10 18 0,-8 12 0,-3 8 0,-4 7 0,1 4 0,17-40 0,1 2 0,-1 3 0,0 2 0,-1 7 0,0 1-1183,0 6 0,0 2 1183,-1 6 0,1 2 0,0 10 0,2 2 0,6-27 0,2 2 0,1-1 0,0 2 0,0 0 0,2 0 0,1 1 0,0 1 0,2-2 0,-2 28 0,1 2 0,3-19 0,1 3 0,0-7 0,0-1 0,1-2 0,0-3 0,0 4 0,0-11 0,0 17-305,0-17 1,0 2 304,0 27 0,0-38 0,0 2 0,3-2 0,1 0-534,11 40 534,6-13 0,10-8 0,2-16 0,10 8 0,5-4 0,0-5 0,-2-3 0,-6-8 1637,1-2-1637,2-1 1248,0-3-1248,2 2 624,2 3-624,2 0 0,5 1 0,1-2 0,-1-2 0,-3-2 0,-4-5 0,-5-4 0,-3-7 0,-5-5 0,-4-3 0,-7-3 0,-6-4 0,-4-2 0,-3-3 0,0-3 0,0 0 0,-3 0 0,0 0 0,-2 0 0,-2 0 0,-1 0 0</inkml:trace>
+</inkml:ink>
+</file>
+
+<file path=ppt/ink/ink7.xml><?xml version="1.0" encoding="utf-8"?>
+<inkml:ink xmlns:inkml="http://www.w3.org/2003/InkML">
+  <inkml:definitions>
+    <inkml:context xml:id="ctx0">
+      <inkml:inkSource xml:id="inkSrc0">
+        <inkml:traceFormat>
+          <inkml:channel name="X" type="integer" min="-2.14748E9" max="2.14748E9" units="cm"/>
+          <inkml:channel name="Y" type="integer" min="-2.14748E9" max="2.14748E9" units="cm"/>
+          <inkml:channel name="F" type="integer" max="32767" units="dev"/>
+        </inkml:traceFormat>
+        <inkml:channelProperties>
+          <inkml:channelProperty channel="X" name="resolution" value="1000" units="1/cm"/>
+          <inkml:channelProperty channel="Y" name="resolution" value="1000" units="1/cm"/>
+          <inkml:channelProperty channel="F" name="resolution" value="0" units="1/dev"/>
+        </inkml:channelProperties>
+      </inkml:inkSource>
+      <inkml:timestamp xml:id="ts0" timeString="2022-05-15T12:57:58.454"/>
+    </inkml:context>
+    <inkml:brush xml:id="br0">
+      <inkml:brushProperty name="width" value="0.1" units="cm"/>
+      <inkml:brushProperty name="height" value="0.1" units="cm"/>
+      <inkml:brushProperty name="color" value="#008C3A"/>
+    </inkml:brush>
+  </inkml:definitions>
+  <inkml:trace contextRef="#ctx0" brushRef="#br0">0 959 24575,'17'0'0,"5"0"0,10 0 0,9 0 0,9-2 0,5-1 0,6-3 0,0 0 0,-2 1 0,-9 1 0,-10 3 0,-10 1 0,-6-4 0,-7-1 0,-4-1 0,-2 1 0,-3 4 0,-3-1 0,-3 0 0,-2-4 0,0-1 0,0-3 0,0 0 0,0-6 0,2-1 0,2-4 0,3-5 0,4-5 0,-1-7 0,-1-7 0,-1 0 0,2-1 0,0 2 0,-1 3 0,-3 1 0,-2 5 0,-1-1 0,-3 1 0,0 0 0,0-1 0,0-8 0,0 18 0,0-12 0,0 18 0,0-5 0,-2 1 0,-4 3 0,-2 2 0,-2 4 0,0 3 0,3 2 0,0 2 0,0 1 0,2 1 0,0 1 0,3 1 0,2 2 0</inkml:trace>
+</inkml:ink>
+</file>
+
+<file path=ppt/ink/ink8.xml><?xml version="1.0" encoding="utf-8"?>
+<inkml:ink xmlns:inkml="http://www.w3.org/2003/InkML">
+  <inkml:definitions>
+    <inkml:context xml:id="ctx0">
+      <inkml:inkSource xml:id="inkSrc0">
+        <inkml:traceFormat>
+          <inkml:channel name="X" type="integer" min="-2.14748E9" max="2.14748E9" units="cm"/>
+          <inkml:channel name="Y" type="integer" min="-2.14748E9" max="2.14748E9" units="cm"/>
+          <inkml:channel name="F" type="integer" max="32767" units="dev"/>
+        </inkml:traceFormat>
+        <inkml:channelProperties>
+          <inkml:channelProperty channel="X" name="resolution" value="1000" units="1/cm"/>
+          <inkml:channelProperty channel="Y" name="resolution" value="1000" units="1/cm"/>
+          <inkml:channelProperty channel="F" name="resolution" value="0" units="1/dev"/>
+        </inkml:channelProperties>
+      </inkml:inkSource>
+      <inkml:timestamp xml:id="ts0" timeString="2022-05-15T12:58:05.289"/>
+    </inkml:context>
+    <inkml:brush xml:id="br0">
+      <inkml:brushProperty name="width" value="0.05" units="cm"/>
+      <inkml:brushProperty name="height" value="0.05" units="cm"/>
+    </inkml:brush>
+  </inkml:definitions>
+  <inkml:trace contextRef="#ctx0" brushRef="#br0">0 634 24575,'13'0'0,"3"0"0,10 0 0,13 0 0,-3 3 0,16 6 0,-13 4 0,8 5 0,-5 0 0,-2-3 0,-5-4 0,-7-3 0,-9-1 0,-3 0 0,-6 1 0,0-4 0,-3-3 0,-3-5 0,-3-3 0,-1-4 0,0-2 0,0-2 0,0-8 0,2-7 0,4-10 0,3-9 0,7-23 0,-5 22 0,9-43 0,-12 55 0,7-36 0,-5 33 0,2-6 0,0 5 0,-1 10 0,0 7 0,-3 6 0,-3 7 0,-3 3 0,-2 3 0,0 2 0</inkml:trace>
+</inkml:ink>
+</file>
+
+<file path=ppt/ink/ink9.xml><?xml version="1.0" encoding="utf-8"?>
+<inkml:ink xmlns:inkml="http://www.w3.org/2003/InkML">
+  <inkml:definitions>
+    <inkml:context xml:id="ctx0">
+      <inkml:inkSource xml:id="inkSrc0">
+        <inkml:traceFormat>
+          <inkml:channel name="X" type="integer" min="-2.14748E9" max="2.14748E9" units="cm"/>
+          <inkml:channel name="Y" type="integer" min="-2.14748E9" max="2.14748E9" units="cm"/>
+          <inkml:channel name="F" type="integer" max="32767" units="dev"/>
+        </inkml:traceFormat>
+        <inkml:channelProperties>
+          <inkml:channelProperty channel="X" name="resolution" value="1000" units="1/cm"/>
+          <inkml:channelProperty channel="Y" name="resolution" value="1000" units="1/cm"/>
+          <inkml:channelProperty channel="F" name="resolution" value="0" units="1/dev"/>
+        </inkml:channelProperties>
+      </inkml:inkSource>
+      <inkml:timestamp xml:id="ts0" timeString="2022-05-15T12:58:24.064"/>
+    </inkml:context>
+    <inkml:brush xml:id="br0">
+      <inkml:brushProperty name="width" value="0.1" units="cm"/>
+      <inkml:brushProperty name="height" value="0.1" units="cm"/>
+      <inkml:brushProperty name="color" value="#AB008B"/>
+    </inkml:brush>
+  </inkml:definitions>
+  <inkml:trace contextRef="#ctx0" brushRef="#br0">470 538 24575,'4'-27'0,"7"-2"0,11-1 0,12-5 0,13-2 0,17-8 0,10-2 0,12 1 0,-38 23 0,1 2 0,5 2 0,1 2-857,7 0 0,1 1 857,6 1 0,1 1 0,3 0 0,1 1 0,2 1 0,1 0 0,3 2 0,0 0 0,2 2 0,-1 1 0,1 2 0,-1 2 0,-1 0 0,-1 2 0,-2 0 0,-2 0 0,-8 1 0,-1 0 0,-4 0 0,-2 0-597,-2 0 0,-2 0 597,-1 0 0,0 0-200,1 0 0,-1 0 200,-4 0 0,0 0 0,45 0 0,-9 0 0,-6 6 0,-8 7 0,7 21 0,-29-8 0,29 28 0,-45-17 0,25 35 0,-28-2 0,1 24 0,-20-46 0,-3 2 0,0 4 0,-1 2 0,-2 4 0,-2 2 290,0 1 1,-2 1-291,-1 2 0,0 1 0,-2 4 0,0 0 0,-1 2 0,-1 0 0,-2 1 0,-4 0-87,-3 2 0,-4-1 87,-4-3 0,-2 0 0,-4 1 0,-2 0 0,-3 2 0,-2 0-668,-3 2 0,-2 0 668,-4 4 0,-2 1-1018,-3 3 1,-1 0 1017,15-26 0,-1 0 0,0 0 0,-2 3 0,0 0 0,-1 1-510,-2 2 0,-1 1 0,-1 0 510,-1 2 0,-2-1 0,0 1 0,-1 1 0,-2 0 0,0 0 0,-1 1 0,-2 0 0,1-1 0,-1 1 0,0 0 0,-1 0-481,-2 1 0,0-1 0,0 1 481,-1 2 0,0 0 0,1 1 0,0-1 0,2 1 0,-1-1 0,1-1 0,1-1 0,0 0-250,3-1 0,0-1 0,1-1 250,3-3 0,-1-1 0,1 0 0,1-2 0,0-1 0,0 0-39,3-2 1,0-1 0,1 0 38,-16 25 0,2-1 484,1 0 1,0 1-485,3-3 0,0 0 0,4-4 0,0-2 0,0 0 0,1-5 0,14-22 0,0-2 1197,-5 8 1,1-2-1198,-12 16 0,-8 11 0,6-11 0,9-11 0,5-7 2564,4-6-2564,4-5 2541,2-6-2541,2-1 1541,-1 2-1541,3 0 100,2 2-100,-2-2 0,4-6 0,0-2 0,2-1 0,4-3 0,0 0 0,-1 3 0,-1 2 0,-3 5 0,-2 5 0,0 4 0,0-1 0,0 3 0,0-2 0,-1 0 0,-1-1 0,1-5 0,1-2 0,1-3 0,0 0 0,-1-1 0,-1 0 0,-2 3 0,1 1 0,-1 3 0,1-2 0,-1-2 0,1 3 0,6-13 0,-2 4 0,6-14 0,-1 1 0,3-3 0,1 1 0,3-5 0,-1-1 0</inkml:trace>
+</inkml:ink>
 </file>
 
 <file path=ppt/notesMasters/notesMaster1.xml><?xml version="1.0" encoding="utf-8"?>
@@ -5277,7 +5583,7 @@
         </p:blipFill>
         <p:spPr>
           <a:xfrm>
-            <a:off x="179512" y="0"/>
+            <a:off x="107504" y="0"/>
             <a:ext cx="8714158" cy="6237312"/>
           </a:xfrm>
           <a:prstGeom prst="rect">
@@ -17902,6 +18208,630 @@
           </a:prstGeom>
         </p:spPr>
       </p:pic>
+      <mc:AlternateContent xmlns:mc="http://schemas.openxmlformats.org/markup-compatibility/2006">
+        <mc:Choice xmlns:p14="http://schemas.microsoft.com/office/powerpoint/2010/main" Requires="p14">
+          <p:contentPart p14:bwMode="auto" r:id="rId3">
+            <p14:nvContentPartPr>
+              <p14:cNvPr id="3" name="Ink 2">
+                <a:extLst>
+                  <a:ext uri="{FF2B5EF4-FFF2-40B4-BE49-F238E27FC236}">
+                    <a16:creationId xmlns:a16="http://schemas.microsoft.com/office/drawing/2014/main" id="{C5A60A66-DB6F-D9CA-9347-725BA15F686A}"/>
+                  </a:ext>
+                </a:extLst>
+              </p14:cNvPr>
+              <p14:cNvContentPartPr/>
+              <p14:nvPr/>
+            </p14:nvContentPartPr>
+            <p14:xfrm>
+              <a:off x="128165" y="635948"/>
+              <a:ext cx="3134160" cy="626760"/>
+            </p14:xfrm>
+          </p:contentPart>
+        </mc:Choice>
+        <mc:Fallback>
+          <p:pic>
+            <p:nvPicPr>
+              <p:cNvPr id="3" name="Ink 2">
+                <a:extLst>
+                  <a:ext uri="{FF2B5EF4-FFF2-40B4-BE49-F238E27FC236}">
+                    <a16:creationId xmlns:a16="http://schemas.microsoft.com/office/drawing/2014/main" id="{C5A60A66-DB6F-D9CA-9347-725BA15F686A}"/>
+                  </a:ext>
+                </a:extLst>
+              </p:cNvPr>
+              <p:cNvPicPr/>
+              <p:nvPr/>
+            </p:nvPicPr>
+            <p:blipFill>
+              <a:blip r:embed="rId4"/>
+              <a:stretch>
+                <a:fillRect/>
+              </a:stretch>
+            </p:blipFill>
+            <p:spPr>
+              <a:xfrm>
+                <a:off x="110165" y="618308"/>
+                <a:ext cx="3169800" cy="662400"/>
+              </a:xfrm>
+              <a:prstGeom prst="rect">
+                <a:avLst/>
+              </a:prstGeom>
+            </p:spPr>
+          </p:pic>
+        </mc:Fallback>
+      </mc:AlternateContent>
+      <p:grpSp>
+        <p:nvGrpSpPr>
+          <p:cNvPr id="7" name="Group 6">
+            <a:extLst>
+              <a:ext uri="{FF2B5EF4-FFF2-40B4-BE49-F238E27FC236}">
+                <a16:creationId xmlns:a16="http://schemas.microsoft.com/office/drawing/2014/main" id="{3AE596F5-E8C7-C48A-68BE-DA199909FE56}"/>
+              </a:ext>
+            </a:extLst>
+          </p:cNvPr>
+          <p:cNvGrpSpPr/>
+          <p:nvPr/>
+        </p:nvGrpSpPr>
+        <p:grpSpPr>
+          <a:xfrm>
+            <a:off x="3234965" y="909188"/>
+            <a:ext cx="336960" cy="765360"/>
+            <a:chOff x="3234965" y="909188"/>
+            <a:chExt cx="336960" cy="765360"/>
+          </a:xfrm>
+        </p:grpSpPr>
+        <mc:AlternateContent xmlns:mc="http://schemas.openxmlformats.org/markup-compatibility/2006">
+          <mc:Choice xmlns:p14="http://schemas.microsoft.com/office/powerpoint/2010/main" Requires="p14">
+            <p:contentPart p14:bwMode="auto" r:id="rId5">
+              <p14:nvContentPartPr>
+                <p14:cNvPr id="5" name="Ink 4">
+                  <a:extLst>
+                    <a:ext uri="{FF2B5EF4-FFF2-40B4-BE49-F238E27FC236}">
+                      <a16:creationId xmlns:a16="http://schemas.microsoft.com/office/drawing/2014/main" id="{0EB26965-A2A3-0FA9-AA83-344734BBB71C}"/>
+                    </a:ext>
+                  </a:extLst>
+                </p14:cNvPr>
+                <p14:cNvContentPartPr/>
+                <p14:nvPr/>
+              </p14:nvContentPartPr>
+              <p14:xfrm>
+                <a:off x="3271685" y="909188"/>
+                <a:ext cx="300240" cy="675360"/>
+              </p14:xfrm>
+            </p:contentPart>
+          </mc:Choice>
+          <mc:Fallback>
+            <p:pic>
+              <p:nvPicPr>
+                <p:cNvPr id="5" name="Ink 4">
+                  <a:extLst>
+                    <a:ext uri="{FF2B5EF4-FFF2-40B4-BE49-F238E27FC236}">
+                      <a16:creationId xmlns:a16="http://schemas.microsoft.com/office/drawing/2014/main" id="{0EB26965-A2A3-0FA9-AA83-344734BBB71C}"/>
+                    </a:ext>
+                  </a:extLst>
+                </p:cNvPr>
+                <p:cNvPicPr/>
+                <p:nvPr/>
+              </p:nvPicPr>
+              <p:blipFill>
+                <a:blip r:embed="rId6"/>
+                <a:stretch>
+                  <a:fillRect/>
+                </a:stretch>
+              </p:blipFill>
+              <p:spPr>
+                <a:xfrm>
+                  <a:off x="3253685" y="891188"/>
+                  <a:ext cx="335880" cy="711000"/>
+                </a:xfrm>
+                <a:prstGeom prst="rect">
+                  <a:avLst/>
+                </a:prstGeom>
+              </p:spPr>
+            </p:pic>
+          </mc:Fallback>
+        </mc:AlternateContent>
+        <mc:AlternateContent xmlns:mc="http://schemas.openxmlformats.org/markup-compatibility/2006">
+          <mc:Choice xmlns:p14="http://schemas.microsoft.com/office/powerpoint/2010/main" Requires="p14">
+            <p:contentPart p14:bwMode="auto" r:id="rId7">
+              <p14:nvContentPartPr>
+                <p14:cNvPr id="6" name="Ink 5">
+                  <a:extLst>
+                    <a:ext uri="{FF2B5EF4-FFF2-40B4-BE49-F238E27FC236}">
+                      <a16:creationId xmlns:a16="http://schemas.microsoft.com/office/drawing/2014/main" id="{C7A943FF-E473-958D-5043-48BDEBAAACC0}"/>
+                    </a:ext>
+                  </a:extLst>
+                </p14:cNvPr>
+                <p14:cNvContentPartPr/>
+                <p14:nvPr/>
+              </p14:nvContentPartPr>
+              <p14:xfrm>
+                <a:off x="3234965" y="1463948"/>
+                <a:ext cx="167040" cy="210600"/>
+              </p14:xfrm>
+            </p:contentPart>
+          </mc:Choice>
+          <mc:Fallback>
+            <p:pic>
+              <p:nvPicPr>
+                <p:cNvPr id="6" name="Ink 5">
+                  <a:extLst>
+                    <a:ext uri="{FF2B5EF4-FFF2-40B4-BE49-F238E27FC236}">
+                      <a16:creationId xmlns:a16="http://schemas.microsoft.com/office/drawing/2014/main" id="{C7A943FF-E473-958D-5043-48BDEBAAACC0}"/>
+                    </a:ext>
+                  </a:extLst>
+                </p:cNvPr>
+                <p:cNvPicPr/>
+                <p:nvPr/>
+              </p:nvPicPr>
+              <p:blipFill>
+                <a:blip r:embed="rId8"/>
+                <a:stretch>
+                  <a:fillRect/>
+                </a:stretch>
+              </p:blipFill>
+              <p:spPr>
+                <a:xfrm>
+                  <a:off x="3216965" y="1446308"/>
+                  <a:ext cx="202680" cy="246240"/>
+                </a:xfrm>
+                <a:prstGeom prst="rect">
+                  <a:avLst/>
+                </a:prstGeom>
+              </p:spPr>
+            </p:pic>
+          </mc:Fallback>
+        </mc:AlternateContent>
+      </p:grpSp>
+      <p:grpSp>
+        <p:nvGrpSpPr>
+          <p:cNvPr id="11" name="Group 10">
+            <a:extLst>
+              <a:ext uri="{FF2B5EF4-FFF2-40B4-BE49-F238E27FC236}">
+                <a16:creationId xmlns:a16="http://schemas.microsoft.com/office/drawing/2014/main" id="{4F64F39B-895B-3811-541D-85E242771681}"/>
+              </a:ext>
+            </a:extLst>
+          </p:cNvPr>
+          <p:cNvGrpSpPr/>
+          <p:nvPr/>
+        </p:nvGrpSpPr>
+        <p:grpSpPr>
+          <a:xfrm>
+            <a:off x="3139205" y="822428"/>
+            <a:ext cx="750960" cy="1176840"/>
+            <a:chOff x="3139205" y="822428"/>
+            <a:chExt cx="750960" cy="1176840"/>
+          </a:xfrm>
+        </p:grpSpPr>
+        <mc:AlternateContent xmlns:mc="http://schemas.openxmlformats.org/markup-compatibility/2006">
+          <mc:Choice xmlns:p14="http://schemas.microsoft.com/office/powerpoint/2010/main" Requires="p14">
+            <p:contentPart p14:bwMode="auto" r:id="rId9">
+              <p14:nvContentPartPr>
+                <p14:cNvPr id="9" name="Ink 8">
+                  <a:extLst>
+                    <a:ext uri="{FF2B5EF4-FFF2-40B4-BE49-F238E27FC236}">
+                      <a16:creationId xmlns:a16="http://schemas.microsoft.com/office/drawing/2014/main" id="{EFEDF10E-2291-269D-0C7B-5F22977ED310}"/>
+                    </a:ext>
+                  </a:extLst>
+                </p14:cNvPr>
+                <p14:cNvContentPartPr/>
+                <p14:nvPr/>
+              </p14:nvContentPartPr>
+              <p14:xfrm>
+                <a:off x="3162605" y="822428"/>
+                <a:ext cx="727560" cy="1176840"/>
+              </p14:xfrm>
+            </p:contentPart>
+          </mc:Choice>
+          <mc:Fallback>
+            <p:pic>
+              <p:nvPicPr>
+                <p:cNvPr id="9" name="Ink 8">
+                  <a:extLst>
+                    <a:ext uri="{FF2B5EF4-FFF2-40B4-BE49-F238E27FC236}">
+                      <a16:creationId xmlns:a16="http://schemas.microsoft.com/office/drawing/2014/main" id="{EFEDF10E-2291-269D-0C7B-5F22977ED310}"/>
+                    </a:ext>
+                  </a:extLst>
+                </p:cNvPr>
+                <p:cNvPicPr/>
+                <p:nvPr/>
+              </p:nvPicPr>
+              <p:blipFill>
+                <a:blip r:embed="rId10"/>
+                <a:stretch>
+                  <a:fillRect/>
+                </a:stretch>
+              </p:blipFill>
+              <p:spPr>
+                <a:xfrm>
+                  <a:off x="3144605" y="804788"/>
+                  <a:ext cx="763200" cy="1212480"/>
+                </a:xfrm>
+                <a:prstGeom prst="rect">
+                  <a:avLst/>
+                </a:prstGeom>
+              </p:spPr>
+            </p:pic>
+          </mc:Fallback>
+        </mc:AlternateContent>
+        <mc:AlternateContent xmlns:mc="http://schemas.openxmlformats.org/markup-compatibility/2006">
+          <mc:Choice xmlns:p14="http://schemas.microsoft.com/office/powerpoint/2010/main" Requires="p14">
+            <p:contentPart p14:bwMode="auto" r:id="rId11">
+              <p14:nvContentPartPr>
+                <p14:cNvPr id="10" name="Ink 9">
+                  <a:extLst>
+                    <a:ext uri="{FF2B5EF4-FFF2-40B4-BE49-F238E27FC236}">
+                      <a16:creationId xmlns:a16="http://schemas.microsoft.com/office/drawing/2014/main" id="{449094FA-1EA5-88C6-91A4-4D7F71AAD8CC}"/>
+                    </a:ext>
+                  </a:extLst>
+                </p14:cNvPr>
+                <p14:cNvContentPartPr/>
+                <p14:nvPr/>
+              </p14:nvContentPartPr>
+              <p14:xfrm>
+                <a:off x="3139205" y="1804868"/>
+                <a:ext cx="315720" cy="147960"/>
+              </p14:xfrm>
+            </p:contentPart>
+          </mc:Choice>
+          <mc:Fallback>
+            <p:pic>
+              <p:nvPicPr>
+                <p:cNvPr id="10" name="Ink 9">
+                  <a:extLst>
+                    <a:ext uri="{FF2B5EF4-FFF2-40B4-BE49-F238E27FC236}">
+                      <a16:creationId xmlns:a16="http://schemas.microsoft.com/office/drawing/2014/main" id="{449094FA-1EA5-88C6-91A4-4D7F71AAD8CC}"/>
+                    </a:ext>
+                  </a:extLst>
+                </p:cNvPr>
+                <p:cNvPicPr/>
+                <p:nvPr/>
+              </p:nvPicPr>
+              <p:blipFill>
+                <a:blip r:embed="rId12"/>
+                <a:stretch>
+                  <a:fillRect/>
+                </a:stretch>
+              </p:blipFill>
+              <p:spPr>
+                <a:xfrm>
+                  <a:off x="3121205" y="1786868"/>
+                  <a:ext cx="351360" cy="183600"/>
+                </a:xfrm>
+                <a:prstGeom prst="rect">
+                  <a:avLst/>
+                </a:prstGeom>
+              </p:spPr>
+            </p:pic>
+          </mc:Fallback>
+        </mc:AlternateContent>
+      </p:grpSp>
+      <mc:AlternateContent xmlns:mc="http://schemas.openxmlformats.org/markup-compatibility/2006">
+        <mc:Choice xmlns:p14="http://schemas.microsoft.com/office/powerpoint/2010/main" Requires="p14">
+          <p:contentPart p14:bwMode="auto" r:id="rId13">
+            <p14:nvContentPartPr>
+              <p14:cNvPr id="12" name="Ink 11">
+                <a:extLst>
+                  <a:ext uri="{FF2B5EF4-FFF2-40B4-BE49-F238E27FC236}">
+                    <a16:creationId xmlns:a16="http://schemas.microsoft.com/office/drawing/2014/main" id="{1C08EC14-D387-1530-CC61-57F1A3E4C9FB}"/>
+                  </a:ext>
+                </a:extLst>
+              </p14:cNvPr>
+              <p14:cNvContentPartPr/>
+              <p14:nvPr/>
+            </p14:nvContentPartPr>
+            <p14:xfrm>
+              <a:off x="-48595" y="1066868"/>
+              <a:ext cx="401040" cy="1582200"/>
+            </p14:xfrm>
+          </p:contentPart>
+        </mc:Choice>
+        <mc:Fallback>
+          <p:pic>
+            <p:nvPicPr>
+              <p:cNvPr id="12" name="Ink 11">
+                <a:extLst>
+                  <a:ext uri="{FF2B5EF4-FFF2-40B4-BE49-F238E27FC236}">
+                    <a16:creationId xmlns:a16="http://schemas.microsoft.com/office/drawing/2014/main" id="{1C08EC14-D387-1530-CC61-57F1A3E4C9FB}"/>
+                  </a:ext>
+                </a:extLst>
+              </p:cNvPr>
+              <p:cNvPicPr/>
+              <p:nvPr/>
+            </p:nvPicPr>
+            <p:blipFill>
+              <a:blip r:embed="rId14"/>
+              <a:stretch>
+                <a:fillRect/>
+              </a:stretch>
+            </p:blipFill>
+            <p:spPr>
+              <a:xfrm>
+                <a:off x="-66235" y="1048868"/>
+                <a:ext cx="436680" cy="1617840"/>
+              </a:xfrm>
+              <a:prstGeom prst="rect">
+                <a:avLst/>
+              </a:prstGeom>
+            </p:spPr>
+          </p:pic>
+        </mc:Fallback>
+      </mc:AlternateContent>
+      <mc:AlternateContent xmlns:mc="http://schemas.openxmlformats.org/markup-compatibility/2006">
+        <mc:Choice xmlns:p14="http://schemas.microsoft.com/office/powerpoint/2010/main" Requires="p14">
+          <p:contentPart p14:bwMode="auto" r:id="rId15">
+            <p14:nvContentPartPr>
+              <p14:cNvPr id="13" name="Ink 12">
+                <a:extLst>
+                  <a:ext uri="{FF2B5EF4-FFF2-40B4-BE49-F238E27FC236}">
+                    <a16:creationId xmlns:a16="http://schemas.microsoft.com/office/drawing/2014/main" id="{F4BF3C8D-C632-40D6-C69E-A2CAEE345889}"/>
+                  </a:ext>
+                </a:extLst>
+              </p14:cNvPr>
+              <p14:cNvContentPartPr/>
+              <p14:nvPr/>
+            </p14:nvContentPartPr>
+            <p14:xfrm>
+              <a:off x="154445" y="2380508"/>
+              <a:ext cx="249120" cy="345240"/>
+            </p14:xfrm>
+          </p:contentPart>
+        </mc:Choice>
+        <mc:Fallback>
+          <p:pic>
+            <p:nvPicPr>
+              <p:cNvPr id="13" name="Ink 12">
+                <a:extLst>
+                  <a:ext uri="{FF2B5EF4-FFF2-40B4-BE49-F238E27FC236}">
+                    <a16:creationId xmlns:a16="http://schemas.microsoft.com/office/drawing/2014/main" id="{F4BF3C8D-C632-40D6-C69E-A2CAEE345889}"/>
+                  </a:ext>
+                </a:extLst>
+              </p:cNvPr>
+              <p:cNvPicPr/>
+              <p:nvPr/>
+            </p:nvPicPr>
+            <p:blipFill>
+              <a:blip r:embed="rId16"/>
+              <a:stretch>
+                <a:fillRect/>
+              </a:stretch>
+            </p:blipFill>
+            <p:spPr>
+              <a:xfrm>
+                <a:off x="136445" y="2362868"/>
+                <a:ext cx="284760" cy="380880"/>
+              </a:xfrm>
+              <a:prstGeom prst="rect">
+                <a:avLst/>
+              </a:prstGeom>
+            </p:spPr>
+          </p:pic>
+        </mc:Fallback>
+      </mc:AlternateContent>
+      <mc:AlternateContent xmlns:mc="http://schemas.openxmlformats.org/markup-compatibility/2006">
+        <mc:Choice xmlns:p14="http://schemas.microsoft.com/office/powerpoint/2010/main" Requires="p14">
+          <p:contentPart p14:bwMode="auto" r:id="rId17">
+            <p14:nvContentPartPr>
+              <p14:cNvPr id="15" name="Ink 14">
+                <a:extLst>
+                  <a:ext uri="{FF2B5EF4-FFF2-40B4-BE49-F238E27FC236}">
+                    <a16:creationId xmlns:a16="http://schemas.microsoft.com/office/drawing/2014/main" id="{C3B2B1A0-4084-864F-7A8C-498778FD0A6C}"/>
+                  </a:ext>
+                </a:extLst>
+              </p14:cNvPr>
+              <p14:cNvContentPartPr/>
+              <p14:nvPr/>
+            </p14:nvContentPartPr>
+            <p14:xfrm>
+              <a:off x="240125" y="2845628"/>
+              <a:ext cx="230040" cy="272520"/>
+            </p14:xfrm>
+          </p:contentPart>
+        </mc:Choice>
+        <mc:Fallback>
+          <p:pic>
+            <p:nvPicPr>
+              <p:cNvPr id="15" name="Ink 14">
+                <a:extLst>
+                  <a:ext uri="{FF2B5EF4-FFF2-40B4-BE49-F238E27FC236}">
+                    <a16:creationId xmlns:a16="http://schemas.microsoft.com/office/drawing/2014/main" id="{C3B2B1A0-4084-864F-7A8C-498778FD0A6C}"/>
+                  </a:ext>
+                </a:extLst>
+              </p:cNvPr>
+              <p:cNvPicPr/>
+              <p:nvPr/>
+            </p:nvPicPr>
+            <p:blipFill>
+              <a:blip r:embed="rId18"/>
+              <a:stretch>
+                <a:fillRect/>
+              </a:stretch>
+            </p:blipFill>
+            <p:spPr>
+              <a:xfrm>
+                <a:off x="231125" y="2836628"/>
+                <a:ext cx="247680" cy="290160"/>
+              </a:xfrm>
+              <a:prstGeom prst="rect">
+                <a:avLst/>
+              </a:prstGeom>
+            </p:spPr>
+          </p:pic>
+        </mc:Fallback>
+      </mc:AlternateContent>
+      <p:grpSp>
+        <p:nvGrpSpPr>
+          <p:cNvPr id="21" name="Group 20">
+            <a:extLst>
+              <a:ext uri="{FF2B5EF4-FFF2-40B4-BE49-F238E27FC236}">
+                <a16:creationId xmlns:a16="http://schemas.microsoft.com/office/drawing/2014/main" id="{DA6EC99E-6BBE-6A0D-9A1E-C5549B7BEFB7}"/>
+              </a:ext>
+            </a:extLst>
+          </p:cNvPr>
+          <p:cNvGrpSpPr/>
+          <p:nvPr/>
+        </p:nvGrpSpPr>
+        <p:grpSpPr>
+          <a:xfrm>
+            <a:off x="2987645" y="685628"/>
+            <a:ext cx="1482840" cy="2907720"/>
+            <a:chOff x="2987645" y="685628"/>
+            <a:chExt cx="1482840" cy="2907720"/>
+          </a:xfrm>
+        </p:grpSpPr>
+        <mc:AlternateContent xmlns:mc="http://schemas.openxmlformats.org/markup-compatibility/2006">
+          <mc:Choice xmlns:p14="http://schemas.microsoft.com/office/powerpoint/2010/main" Requires="p14">
+            <p:contentPart p14:bwMode="auto" r:id="rId19">
+              <p14:nvContentPartPr>
+                <p14:cNvPr id="19" name="Ink 18">
+                  <a:extLst>
+                    <a:ext uri="{FF2B5EF4-FFF2-40B4-BE49-F238E27FC236}">
+                      <a16:creationId xmlns:a16="http://schemas.microsoft.com/office/drawing/2014/main" id="{00EB114B-2567-44A7-541C-814FC44D679A}"/>
+                    </a:ext>
+                  </a:extLst>
+                </p14:cNvPr>
+                <p14:cNvContentPartPr/>
+                <p14:nvPr/>
+              </p14:nvContentPartPr>
+              <p14:xfrm>
+                <a:off x="3085925" y="685628"/>
+                <a:ext cx="1384560" cy="2897280"/>
+              </p14:xfrm>
+            </p:contentPart>
+          </mc:Choice>
+          <mc:Fallback>
+            <p:pic>
+              <p:nvPicPr>
+                <p:cNvPr id="19" name="Ink 18">
+                  <a:extLst>
+                    <a:ext uri="{FF2B5EF4-FFF2-40B4-BE49-F238E27FC236}">
+                      <a16:creationId xmlns:a16="http://schemas.microsoft.com/office/drawing/2014/main" id="{00EB114B-2567-44A7-541C-814FC44D679A}"/>
+                    </a:ext>
+                  </a:extLst>
+                </p:cNvPr>
+                <p:cNvPicPr/>
+                <p:nvPr/>
+              </p:nvPicPr>
+              <p:blipFill>
+                <a:blip r:embed="rId20"/>
+                <a:stretch>
+                  <a:fillRect/>
+                </a:stretch>
+              </p:blipFill>
+              <p:spPr>
+                <a:xfrm>
+                  <a:off x="3067925" y="667628"/>
+                  <a:ext cx="1420200" cy="2932920"/>
+                </a:xfrm>
+                <a:prstGeom prst="rect">
+                  <a:avLst/>
+                </a:prstGeom>
+              </p:spPr>
+            </p:pic>
+          </mc:Fallback>
+        </mc:AlternateContent>
+        <mc:AlternateContent xmlns:mc="http://schemas.openxmlformats.org/markup-compatibility/2006">
+          <mc:Choice xmlns:p14="http://schemas.microsoft.com/office/powerpoint/2010/main" Requires="p14">
+            <p:contentPart p14:bwMode="auto" r:id="rId21">
+              <p14:nvContentPartPr>
+                <p14:cNvPr id="20" name="Ink 19">
+                  <a:extLst>
+                    <a:ext uri="{FF2B5EF4-FFF2-40B4-BE49-F238E27FC236}">
+                      <a16:creationId xmlns:a16="http://schemas.microsoft.com/office/drawing/2014/main" id="{32F1518E-2F58-B2A4-AB85-9B7A28E8E123}"/>
+                    </a:ext>
+                  </a:extLst>
+                </p14:cNvPr>
+                <p14:cNvContentPartPr/>
+                <p14:nvPr/>
+              </p14:nvContentPartPr>
+              <p14:xfrm>
+                <a:off x="2987645" y="3296348"/>
+                <a:ext cx="393120" cy="297000"/>
+              </p14:xfrm>
+            </p:contentPart>
+          </mc:Choice>
+          <mc:Fallback>
+            <p:pic>
+              <p:nvPicPr>
+                <p:cNvPr id="20" name="Ink 19">
+                  <a:extLst>
+                    <a:ext uri="{FF2B5EF4-FFF2-40B4-BE49-F238E27FC236}">
+                      <a16:creationId xmlns:a16="http://schemas.microsoft.com/office/drawing/2014/main" id="{32F1518E-2F58-B2A4-AB85-9B7A28E8E123}"/>
+                    </a:ext>
+                  </a:extLst>
+                </p:cNvPr>
+                <p:cNvPicPr/>
+                <p:nvPr/>
+              </p:nvPicPr>
+              <p:blipFill>
+                <a:blip r:embed="rId22"/>
+                <a:stretch>
+                  <a:fillRect/>
+                </a:stretch>
+              </p:blipFill>
+              <p:spPr>
+                <a:xfrm>
+                  <a:off x="2970005" y="3278708"/>
+                  <a:ext cx="428760" cy="332640"/>
+                </a:xfrm>
+                <a:prstGeom prst="rect">
+                  <a:avLst/>
+                </a:prstGeom>
+              </p:spPr>
+            </p:pic>
+          </mc:Fallback>
+        </mc:AlternateContent>
+      </p:grpSp>
+      <mc:AlternateContent xmlns:mc="http://schemas.openxmlformats.org/markup-compatibility/2006">
+        <mc:Choice xmlns:p14="http://schemas.microsoft.com/office/powerpoint/2010/main" Requires="p14">
+          <p:contentPart p14:bwMode="auto" r:id="rId23">
+            <p14:nvContentPartPr>
+              <p14:cNvPr id="23" name="Ink 22">
+                <a:extLst>
+                  <a:ext uri="{FF2B5EF4-FFF2-40B4-BE49-F238E27FC236}">
+                    <a16:creationId xmlns:a16="http://schemas.microsoft.com/office/drawing/2014/main" id="{F9B4BCE8-FC3F-CF53-52A8-FE9CAE55378E}"/>
+                  </a:ext>
+                </a:extLst>
+              </p14:cNvPr>
+              <p14:cNvContentPartPr/>
+              <p14:nvPr/>
+            </p14:nvContentPartPr>
+            <p14:xfrm>
+              <a:off x="-242995" y="1068668"/>
+              <a:ext cx="708120" cy="1965240"/>
+            </p14:xfrm>
+          </p:contentPart>
+        </mc:Choice>
+        <mc:Fallback>
+          <p:pic>
+            <p:nvPicPr>
+              <p:cNvPr id="23" name="Ink 22">
+                <a:extLst>
+                  <a:ext uri="{FF2B5EF4-FFF2-40B4-BE49-F238E27FC236}">
+                    <a16:creationId xmlns:a16="http://schemas.microsoft.com/office/drawing/2014/main" id="{F9B4BCE8-FC3F-CF53-52A8-FE9CAE55378E}"/>
+                  </a:ext>
+                </a:extLst>
+              </p:cNvPr>
+              <p:cNvPicPr/>
+              <p:nvPr/>
+            </p:nvPicPr>
+            <p:blipFill>
+              <a:blip r:embed="rId24"/>
+              <a:stretch>
+                <a:fillRect/>
+              </a:stretch>
+            </p:blipFill>
+            <p:spPr>
+              <a:xfrm>
+                <a:off x="-260995" y="1050668"/>
+                <a:ext cx="743760" cy="2000880"/>
+              </a:xfrm>
+              <a:prstGeom prst="rect">
+                <a:avLst/>
+              </a:prstGeom>
+            </p:spPr>
+          </p:pic>
+        </mc:Fallback>
+      </mc:AlternateContent>
     </p:spTree>
     <p:extLst>
       <p:ext uri="{BB962C8B-B14F-4D97-AF65-F5344CB8AC3E}">
